--- a/slides/template.pptx
+++ b/slides/template.pptx
@@ -3,12 +3,13 @@
 <p:presentation xmlns:a="http://schemas.openxmlformats.org/drawingml/2006/main" xmlns:p="http://schemas.openxmlformats.org/presentationml/2006/main" xmlns:r="http://schemas.openxmlformats.org/officeDocument/2006/relationships" xmlns:p14="http://schemas.microsoft.com/office/powerpoint/2010/main" xmlns:p15="http://schemas.microsoft.com/office/powerpoint/2012/main" xmlns:mc="http://schemas.openxmlformats.org/markup-compatibility/2006">
   <p:sldMasterIdLst>
     <p:sldMasterId id="2147483648" r:id="rId2"/>
+    <p:sldMasterId id="2147483661" r:id="rId3"/>
   </p:sldMasterIdLst>
   <p:sldIdLst>
-    <p:sldId id="256" r:id="rId3"/>
-    <p:sldId id="257" r:id="rId4"/>
+    <p:sldId id="256" r:id="rId4"/>
+    <p:sldId id="257" r:id="rId5"/>
   </p:sldIdLst>
-  <p:sldSz cx="9144000" cy="6858000"/>
+  <p:sldSz cx="9144000" cy="5143500"/>
   <p:notesSz cx="7559675" cy="10691813"/>
 </p:presentation>
 </file>
@@ -74,7 +75,7 @@
       </p:grpSpPr>
       <p:sp>
         <p:nvSpPr>
-          <p:cNvPr id="31" name="PlaceHolder 1"/>
+          <p:cNvPr id="29" name="PlaceHolder 1"/>
           <p:cNvSpPr>
             <a:spLocks noGrp="1"/>
           </p:cNvSpPr>
@@ -84,8 +85,8 @@
         </p:nvSpPr>
         <p:spPr>
           <a:xfrm>
-            <a:off x="540000" y="1260000"/>
-            <a:ext cx="7920000" cy="1440000"/>
+            <a:off x="180000" y="545760"/>
+            <a:ext cx="8820000" cy="534240"/>
           </a:xfrm>
           <a:prstGeom prst="rect">
             <a:avLst/>
@@ -100,18 +101,16 @@
             <a:noAutofit/>
           </a:bodyPr>
           <a:p>
-            <a:endParaRPr b="0" lang="de-DE" sz="2000" spc="-1" strike="noStrike">
-              <a:solidFill>
-                <a:srgbClr val="000000"/>
-              </a:solidFill>
-              <a:latin typeface="Arial"/>
-            </a:endParaRPr>
-          </a:p>
-        </p:txBody>
-      </p:sp>
-      <p:sp>
-        <p:nvSpPr>
-          <p:cNvPr id="32" name="PlaceHolder 2"/>
+            <a:endParaRPr b="0" lang="de-DE" sz="3200" spc="-1" strike="noStrike" u="sng">
+              <a:uFillTx/>
+              <a:latin typeface="Arial"/>
+            </a:endParaRPr>
+          </a:p>
+        </p:txBody>
+      </p:sp>
+      <p:sp>
+        <p:nvSpPr>
+          <p:cNvPr id="30" name="PlaceHolder 2"/>
           <p:cNvSpPr>
             <a:spLocks noGrp="1"/>
           </p:cNvSpPr>
@@ -121,8 +120,8 @@
         </p:nvSpPr>
         <p:spPr>
           <a:xfrm>
-            <a:off x="431640" y="2160000"/>
-            <a:ext cx="8229240" cy="1896840"/>
+            <a:off x="180000" y="1440000"/>
+            <a:ext cx="8820000" cy="1459440"/>
           </a:xfrm>
           <a:prstGeom prst="rect">
             <a:avLst/>
@@ -137,18 +136,15 @@
             <a:normAutofit/>
           </a:bodyPr>
           <a:p>
-            <a:endParaRPr b="0" lang="de-DE" sz="2000" spc="-1" strike="noStrike">
-              <a:solidFill>
-                <a:srgbClr val="000000"/>
-              </a:solidFill>
-              <a:latin typeface="Arial"/>
-            </a:endParaRPr>
-          </a:p>
-        </p:txBody>
-      </p:sp>
-      <p:sp>
-        <p:nvSpPr>
-          <p:cNvPr id="33" name="PlaceHolder 3"/>
+            <a:endParaRPr b="0" lang="de-DE" sz="2400" spc="-1" strike="noStrike">
+              <a:latin typeface="Arial"/>
+            </a:endParaRPr>
+          </a:p>
+        </p:txBody>
+      </p:sp>
+      <p:sp>
+        <p:nvSpPr>
+          <p:cNvPr id="31" name="PlaceHolder 3"/>
           <p:cNvSpPr>
             <a:spLocks noGrp="1"/>
           </p:cNvSpPr>
@@ -158,8 +154,8 @@
         </p:nvSpPr>
         <p:spPr>
           <a:xfrm>
-            <a:off x="431640" y="4237560"/>
-            <a:ext cx="8229240" cy="1896840"/>
+            <a:off x="180000" y="3038400"/>
+            <a:ext cx="8820000" cy="1459440"/>
           </a:xfrm>
           <a:prstGeom prst="rect">
             <a:avLst/>
@@ -174,10 +170,7 @@
             <a:normAutofit/>
           </a:bodyPr>
           <a:p>
-            <a:endParaRPr b="0" lang="de-DE" sz="2000" spc="-1" strike="noStrike">
-              <a:solidFill>
-                <a:srgbClr val="000000"/>
-              </a:solidFill>
+            <a:endParaRPr b="0" lang="de-DE" sz="2400" spc="-1" strike="noStrike">
               <a:latin typeface="Arial"/>
             </a:endParaRPr>
           </a:p>
@@ -227,7 +220,7 @@
       </p:grpSpPr>
       <p:sp>
         <p:nvSpPr>
-          <p:cNvPr id="34" name="PlaceHolder 1"/>
+          <p:cNvPr id="32" name="PlaceHolder 1"/>
           <p:cNvSpPr>
             <a:spLocks noGrp="1"/>
           </p:cNvSpPr>
@@ -237,8 +230,8 @@
         </p:nvSpPr>
         <p:spPr>
           <a:xfrm>
-            <a:off x="540000" y="1260000"/>
-            <a:ext cx="7920000" cy="1440000"/>
+            <a:off x="180000" y="545760"/>
+            <a:ext cx="8820000" cy="534240"/>
           </a:xfrm>
           <a:prstGeom prst="rect">
             <a:avLst/>
@@ -253,18 +246,16 @@
             <a:noAutofit/>
           </a:bodyPr>
           <a:p>
-            <a:endParaRPr b="0" lang="de-DE" sz="2000" spc="-1" strike="noStrike">
-              <a:solidFill>
-                <a:srgbClr val="000000"/>
-              </a:solidFill>
-              <a:latin typeface="Arial"/>
-            </a:endParaRPr>
-          </a:p>
-        </p:txBody>
-      </p:sp>
-      <p:sp>
-        <p:nvSpPr>
-          <p:cNvPr id="35" name="PlaceHolder 2"/>
+            <a:endParaRPr b="0" lang="de-DE" sz="3200" spc="-1" strike="noStrike" u="sng">
+              <a:uFillTx/>
+              <a:latin typeface="Arial"/>
+            </a:endParaRPr>
+          </a:p>
+        </p:txBody>
+      </p:sp>
+      <p:sp>
+        <p:nvSpPr>
+          <p:cNvPr id="33" name="PlaceHolder 2"/>
           <p:cNvSpPr>
             <a:spLocks noGrp="1"/>
           </p:cNvSpPr>
@@ -274,8 +265,8 @@
         </p:nvSpPr>
         <p:spPr>
           <a:xfrm>
-            <a:off x="431640" y="2160000"/>
-            <a:ext cx="4015800" cy="1896840"/>
+            <a:off x="180000" y="1440000"/>
+            <a:ext cx="4303800" cy="1459440"/>
           </a:xfrm>
           <a:prstGeom prst="rect">
             <a:avLst/>
@@ -290,18 +281,15 @@
             <a:normAutofit/>
           </a:bodyPr>
           <a:p>
-            <a:endParaRPr b="0" lang="de-DE" sz="2000" spc="-1" strike="noStrike">
-              <a:solidFill>
-                <a:srgbClr val="000000"/>
-              </a:solidFill>
-              <a:latin typeface="Arial"/>
-            </a:endParaRPr>
-          </a:p>
-        </p:txBody>
-      </p:sp>
-      <p:sp>
-        <p:nvSpPr>
-          <p:cNvPr id="36" name="PlaceHolder 3"/>
+            <a:endParaRPr b="0" lang="de-DE" sz="2400" spc="-1" strike="noStrike">
+              <a:latin typeface="Arial"/>
+            </a:endParaRPr>
+          </a:p>
+        </p:txBody>
+      </p:sp>
+      <p:sp>
+        <p:nvSpPr>
+          <p:cNvPr id="34" name="PlaceHolder 3"/>
           <p:cNvSpPr>
             <a:spLocks noGrp="1"/>
           </p:cNvSpPr>
@@ -311,8 +299,8 @@
         </p:nvSpPr>
         <p:spPr>
           <a:xfrm>
-            <a:off x="4648680" y="2160000"/>
-            <a:ext cx="4015800" cy="1896840"/>
+            <a:off x="4699440" y="1440000"/>
+            <a:ext cx="4303800" cy="1459440"/>
           </a:xfrm>
           <a:prstGeom prst="rect">
             <a:avLst/>
@@ -327,18 +315,15 @@
             <a:normAutofit/>
           </a:bodyPr>
           <a:p>
-            <a:endParaRPr b="0" lang="de-DE" sz="2000" spc="-1" strike="noStrike">
-              <a:solidFill>
-                <a:srgbClr val="000000"/>
-              </a:solidFill>
-              <a:latin typeface="Arial"/>
-            </a:endParaRPr>
-          </a:p>
-        </p:txBody>
-      </p:sp>
-      <p:sp>
-        <p:nvSpPr>
-          <p:cNvPr id="37" name="PlaceHolder 4"/>
+            <a:endParaRPr b="0" lang="de-DE" sz="2400" spc="-1" strike="noStrike">
+              <a:latin typeface="Arial"/>
+            </a:endParaRPr>
+          </a:p>
+        </p:txBody>
+      </p:sp>
+      <p:sp>
+        <p:nvSpPr>
+          <p:cNvPr id="35" name="PlaceHolder 4"/>
           <p:cNvSpPr>
             <a:spLocks noGrp="1"/>
           </p:cNvSpPr>
@@ -348,8 +333,8 @@
         </p:nvSpPr>
         <p:spPr>
           <a:xfrm>
-            <a:off x="431640" y="4237560"/>
-            <a:ext cx="4015800" cy="1896840"/>
+            <a:off x="180000" y="3038400"/>
+            <a:ext cx="4303800" cy="1459440"/>
           </a:xfrm>
           <a:prstGeom prst="rect">
             <a:avLst/>
@@ -364,18 +349,15 @@
             <a:normAutofit/>
           </a:bodyPr>
           <a:p>
-            <a:endParaRPr b="0" lang="de-DE" sz="2000" spc="-1" strike="noStrike">
-              <a:solidFill>
-                <a:srgbClr val="000000"/>
-              </a:solidFill>
-              <a:latin typeface="Arial"/>
-            </a:endParaRPr>
-          </a:p>
-        </p:txBody>
-      </p:sp>
-      <p:sp>
-        <p:nvSpPr>
-          <p:cNvPr id="38" name="PlaceHolder 5"/>
+            <a:endParaRPr b="0" lang="de-DE" sz="2400" spc="-1" strike="noStrike">
+              <a:latin typeface="Arial"/>
+            </a:endParaRPr>
+          </a:p>
+        </p:txBody>
+      </p:sp>
+      <p:sp>
+        <p:nvSpPr>
+          <p:cNvPr id="36" name="PlaceHolder 5"/>
           <p:cNvSpPr>
             <a:spLocks noGrp="1"/>
           </p:cNvSpPr>
@@ -385,8 +367,8 @@
         </p:nvSpPr>
         <p:spPr>
           <a:xfrm>
-            <a:off x="4648680" y="4237560"/>
-            <a:ext cx="4015800" cy="1896840"/>
+            <a:off x="4699440" y="3038400"/>
+            <a:ext cx="4303800" cy="1459440"/>
           </a:xfrm>
           <a:prstGeom prst="rect">
             <a:avLst/>
@@ -401,10 +383,7 @@
             <a:normAutofit/>
           </a:bodyPr>
           <a:p>
-            <a:endParaRPr b="0" lang="de-DE" sz="2000" spc="-1" strike="noStrike">
-              <a:solidFill>
-                <a:srgbClr val="000000"/>
-              </a:solidFill>
+            <a:endParaRPr b="0" lang="de-DE" sz="2400" spc="-1" strike="noStrike">
               <a:latin typeface="Arial"/>
             </a:endParaRPr>
           </a:p>
@@ -454,7 +433,7 @@
       </p:grpSpPr>
       <p:sp>
         <p:nvSpPr>
-          <p:cNvPr id="39" name="PlaceHolder 1"/>
+          <p:cNvPr id="37" name="PlaceHolder 1"/>
           <p:cNvSpPr>
             <a:spLocks noGrp="1"/>
           </p:cNvSpPr>
@@ -464,8 +443,8 @@
         </p:nvSpPr>
         <p:spPr>
           <a:xfrm>
-            <a:off x="540000" y="1260000"/>
-            <a:ext cx="7920000" cy="1440000"/>
+            <a:off x="180000" y="545760"/>
+            <a:ext cx="8820000" cy="534240"/>
           </a:xfrm>
           <a:prstGeom prst="rect">
             <a:avLst/>
@@ -480,18 +459,16 @@
             <a:noAutofit/>
           </a:bodyPr>
           <a:p>
-            <a:endParaRPr b="0" lang="de-DE" sz="2000" spc="-1" strike="noStrike">
-              <a:solidFill>
-                <a:srgbClr val="000000"/>
-              </a:solidFill>
-              <a:latin typeface="Arial"/>
-            </a:endParaRPr>
-          </a:p>
-        </p:txBody>
-      </p:sp>
-      <p:sp>
-        <p:nvSpPr>
-          <p:cNvPr id="40" name="PlaceHolder 2"/>
+            <a:endParaRPr b="0" lang="de-DE" sz="3200" spc="-1" strike="noStrike" u="sng">
+              <a:uFillTx/>
+              <a:latin typeface="Arial"/>
+            </a:endParaRPr>
+          </a:p>
+        </p:txBody>
+      </p:sp>
+      <p:sp>
+        <p:nvSpPr>
+          <p:cNvPr id="38" name="PlaceHolder 2"/>
           <p:cNvSpPr>
             <a:spLocks noGrp="1"/>
           </p:cNvSpPr>
@@ -501,8 +478,8 @@
         </p:nvSpPr>
         <p:spPr>
           <a:xfrm>
-            <a:off x="431640" y="2160000"/>
-            <a:ext cx="2649600" cy="1896840"/>
+            <a:off x="180000" y="1440000"/>
+            <a:ext cx="2839680" cy="1459440"/>
           </a:xfrm>
           <a:prstGeom prst="rect">
             <a:avLst/>
@@ -517,18 +494,15 @@
             <a:normAutofit/>
           </a:bodyPr>
           <a:p>
-            <a:endParaRPr b="0" lang="de-DE" sz="2000" spc="-1" strike="noStrike">
-              <a:solidFill>
-                <a:srgbClr val="000000"/>
-              </a:solidFill>
-              <a:latin typeface="Arial"/>
-            </a:endParaRPr>
-          </a:p>
-        </p:txBody>
-      </p:sp>
-      <p:sp>
-        <p:nvSpPr>
-          <p:cNvPr id="41" name="PlaceHolder 3"/>
+            <a:endParaRPr b="0" lang="de-DE" sz="2400" spc="-1" strike="noStrike">
+              <a:latin typeface="Arial"/>
+            </a:endParaRPr>
+          </a:p>
+        </p:txBody>
+      </p:sp>
+      <p:sp>
+        <p:nvSpPr>
+          <p:cNvPr id="39" name="PlaceHolder 3"/>
           <p:cNvSpPr>
             <a:spLocks noGrp="1"/>
           </p:cNvSpPr>
@@ -538,8 +512,8 @@
         </p:nvSpPr>
         <p:spPr>
           <a:xfrm>
-            <a:off x="3214080" y="2160000"/>
-            <a:ext cx="2649600" cy="1896840"/>
+            <a:off x="3161880" y="1440000"/>
+            <a:ext cx="2839680" cy="1459440"/>
           </a:xfrm>
           <a:prstGeom prst="rect">
             <a:avLst/>
@@ -554,18 +528,15 @@
             <a:normAutofit/>
           </a:bodyPr>
           <a:p>
-            <a:endParaRPr b="0" lang="de-DE" sz="2000" spc="-1" strike="noStrike">
-              <a:solidFill>
-                <a:srgbClr val="000000"/>
-              </a:solidFill>
-              <a:latin typeface="Arial"/>
-            </a:endParaRPr>
-          </a:p>
-        </p:txBody>
-      </p:sp>
-      <p:sp>
-        <p:nvSpPr>
-          <p:cNvPr id="42" name="PlaceHolder 4"/>
+            <a:endParaRPr b="0" lang="de-DE" sz="2400" spc="-1" strike="noStrike">
+              <a:latin typeface="Arial"/>
+            </a:endParaRPr>
+          </a:p>
+        </p:txBody>
+      </p:sp>
+      <p:sp>
+        <p:nvSpPr>
+          <p:cNvPr id="40" name="PlaceHolder 4"/>
           <p:cNvSpPr>
             <a:spLocks noGrp="1"/>
           </p:cNvSpPr>
@@ -575,8 +546,8 @@
         </p:nvSpPr>
         <p:spPr>
           <a:xfrm>
-            <a:off x="5996520" y="2160000"/>
-            <a:ext cx="2649600" cy="1896840"/>
+            <a:off x="6144120" y="1440000"/>
+            <a:ext cx="2839680" cy="1459440"/>
           </a:xfrm>
           <a:prstGeom prst="rect">
             <a:avLst/>
@@ -591,18 +562,15 @@
             <a:normAutofit/>
           </a:bodyPr>
           <a:p>
-            <a:endParaRPr b="0" lang="de-DE" sz="2000" spc="-1" strike="noStrike">
-              <a:solidFill>
-                <a:srgbClr val="000000"/>
-              </a:solidFill>
-              <a:latin typeface="Arial"/>
-            </a:endParaRPr>
-          </a:p>
-        </p:txBody>
-      </p:sp>
-      <p:sp>
-        <p:nvSpPr>
-          <p:cNvPr id="43" name="PlaceHolder 5"/>
+            <a:endParaRPr b="0" lang="de-DE" sz="2400" spc="-1" strike="noStrike">
+              <a:latin typeface="Arial"/>
+            </a:endParaRPr>
+          </a:p>
+        </p:txBody>
+      </p:sp>
+      <p:sp>
+        <p:nvSpPr>
+          <p:cNvPr id="41" name="PlaceHolder 5"/>
           <p:cNvSpPr>
             <a:spLocks noGrp="1"/>
           </p:cNvSpPr>
@@ -612,8 +580,8 @@
         </p:nvSpPr>
         <p:spPr>
           <a:xfrm>
-            <a:off x="431640" y="4237560"/>
-            <a:ext cx="2649600" cy="1896840"/>
+            <a:off x="180000" y="3038400"/>
+            <a:ext cx="2839680" cy="1459440"/>
           </a:xfrm>
           <a:prstGeom prst="rect">
             <a:avLst/>
@@ -628,18 +596,15 @@
             <a:normAutofit/>
           </a:bodyPr>
           <a:p>
-            <a:endParaRPr b="0" lang="de-DE" sz="2000" spc="-1" strike="noStrike">
-              <a:solidFill>
-                <a:srgbClr val="000000"/>
-              </a:solidFill>
-              <a:latin typeface="Arial"/>
-            </a:endParaRPr>
-          </a:p>
-        </p:txBody>
-      </p:sp>
-      <p:sp>
-        <p:nvSpPr>
-          <p:cNvPr id="44" name="PlaceHolder 6"/>
+            <a:endParaRPr b="0" lang="de-DE" sz="2400" spc="-1" strike="noStrike">
+              <a:latin typeface="Arial"/>
+            </a:endParaRPr>
+          </a:p>
+        </p:txBody>
+      </p:sp>
+      <p:sp>
+        <p:nvSpPr>
+          <p:cNvPr id="42" name="PlaceHolder 6"/>
           <p:cNvSpPr>
             <a:spLocks noGrp="1"/>
           </p:cNvSpPr>
@@ -649,8 +614,8 @@
         </p:nvSpPr>
         <p:spPr>
           <a:xfrm>
-            <a:off x="3214080" y="4237560"/>
-            <a:ext cx="2649600" cy="1896840"/>
+            <a:off x="3161880" y="3038400"/>
+            <a:ext cx="2839680" cy="1459440"/>
           </a:xfrm>
           <a:prstGeom prst="rect">
             <a:avLst/>
@@ -665,18 +630,15 @@
             <a:normAutofit/>
           </a:bodyPr>
           <a:p>
-            <a:endParaRPr b="0" lang="de-DE" sz="2000" spc="-1" strike="noStrike">
-              <a:solidFill>
-                <a:srgbClr val="000000"/>
-              </a:solidFill>
-              <a:latin typeface="Arial"/>
-            </a:endParaRPr>
-          </a:p>
-        </p:txBody>
-      </p:sp>
-      <p:sp>
-        <p:nvSpPr>
-          <p:cNvPr id="45" name="PlaceHolder 7"/>
+            <a:endParaRPr b="0" lang="de-DE" sz="2400" spc="-1" strike="noStrike">
+              <a:latin typeface="Arial"/>
+            </a:endParaRPr>
+          </a:p>
+        </p:txBody>
+      </p:sp>
+      <p:sp>
+        <p:nvSpPr>
+          <p:cNvPr id="43" name="PlaceHolder 7"/>
           <p:cNvSpPr>
             <a:spLocks noGrp="1"/>
           </p:cNvSpPr>
@@ -686,8 +648,8 @@
         </p:nvSpPr>
         <p:spPr>
           <a:xfrm>
-            <a:off x="5996520" y="4237560"/>
-            <a:ext cx="2649600" cy="1896840"/>
+            <a:off x="6144120" y="3038400"/>
+            <a:ext cx="2839680" cy="1459440"/>
           </a:xfrm>
           <a:prstGeom prst="rect">
             <a:avLst/>
@@ -702,10 +664,7 @@
             <a:normAutofit/>
           </a:bodyPr>
           <a:p>
-            <a:endParaRPr b="0" lang="de-DE" sz="2000" spc="-1" strike="noStrike">
-              <a:solidFill>
-                <a:srgbClr val="000000"/>
-              </a:solidFill>
+            <a:endParaRPr b="0" lang="de-DE" sz="2400" spc="-1" strike="noStrike">
               <a:latin typeface="Arial"/>
             </a:endParaRPr>
           </a:p>
@@ -719,6 +678,753 @@
           </p:cNvSpPr>
           <p:nvPr>
             <p:ph type="ftr" idx="1"/>
+          </p:nvPr>
+        </p:nvSpPr>
+        <p:spPr/>
+        <p:txBody>
+          <a:bodyPr/>
+          <a:p>
+            <a:r>
+              <a:t>Footer</a:t>
+            </a:r>
+          </a:p>
+        </p:txBody>
+      </p:sp>
+    </p:spTree>
+  </p:cSld>
+</p:sldLayout>
+</file>
+
+<file path=ppt/slideLayouts/slideLayout13.xml><?xml version="1.0" encoding="utf-8"?>
+<p:sldLayout xmlns:a="http://schemas.openxmlformats.org/drawingml/2006/main" xmlns:p="http://schemas.openxmlformats.org/presentationml/2006/main" xmlns:r="http://schemas.openxmlformats.org/officeDocument/2006/relationships" xmlns:p14="http://schemas.microsoft.com/office/powerpoint/2010/main" xmlns:p15="http://schemas.microsoft.com/office/powerpoint/2012/main" xmlns:mc="http://schemas.openxmlformats.org/markup-compatibility/2006" type="blank" preserve="1">
+  <p:cSld name="Blank Slide">
+    <p:spTree>
+      <p:nvGrpSpPr>
+        <p:cNvPr id="1" name=""/>
+        <p:cNvGrpSpPr/>
+        <p:nvPr/>
+      </p:nvGrpSpPr>
+      <p:grpSpPr>
+        <a:xfrm>
+          <a:off x="0" y="0"/>
+          <a:ext cx="0" cy="0"/>
+          <a:chOff x="0" y="0"/>
+          <a:chExt cx="0" cy="0"/>
+        </a:xfrm>
+      </p:grpSpPr>
+      <p:sp>
+        <p:nvSpPr>
+          <p:cNvPr id="2" name="PlaceHolder 1"/>
+          <p:cNvSpPr>
+            <a:spLocks noGrp="1"/>
+          </p:cNvSpPr>
+          <p:nvPr>
+            <p:ph type="ftr" idx="2"/>
+          </p:nvPr>
+        </p:nvSpPr>
+        <p:spPr/>
+        <p:txBody>
+          <a:bodyPr/>
+          <a:p>
+            <a:r>
+              <a:t>Footer</a:t>
+            </a:r>
+          </a:p>
+        </p:txBody>
+      </p:sp>
+    </p:spTree>
+  </p:cSld>
+</p:sldLayout>
+</file>
+
+<file path=ppt/slideLayouts/slideLayout14.xml><?xml version="1.0" encoding="utf-8"?>
+<p:sldLayout xmlns:a="http://schemas.openxmlformats.org/drawingml/2006/main" xmlns:p="http://schemas.openxmlformats.org/presentationml/2006/main" xmlns:r="http://schemas.openxmlformats.org/officeDocument/2006/relationships" xmlns:p14="http://schemas.microsoft.com/office/powerpoint/2010/main" xmlns:p15="http://schemas.microsoft.com/office/powerpoint/2012/main" xmlns:mc="http://schemas.openxmlformats.org/markup-compatibility/2006" type="tx" preserve="1">
+  <p:cSld name="Title Slide">
+    <p:spTree>
+      <p:nvGrpSpPr>
+        <p:cNvPr id="1" name=""/>
+        <p:cNvGrpSpPr/>
+        <p:nvPr/>
+      </p:nvGrpSpPr>
+      <p:grpSpPr>
+        <a:xfrm>
+          <a:off x="0" y="0"/>
+          <a:ext cx="0" cy="0"/>
+          <a:chOff x="0" y="0"/>
+          <a:chExt cx="0" cy="0"/>
+        </a:xfrm>
+      </p:grpSpPr>
+      <p:sp>
+        <p:nvSpPr>
+          <p:cNvPr id="53" name="PlaceHolder 1"/>
+          <p:cNvSpPr>
+            <a:spLocks noGrp="1"/>
+          </p:cNvSpPr>
+          <p:nvPr>
+            <p:ph type="title"/>
+          </p:nvPr>
+        </p:nvSpPr>
+        <p:spPr>
+          <a:xfrm>
+            <a:off x="180000" y="545760"/>
+            <a:ext cx="8820000" cy="534240"/>
+          </a:xfrm>
+          <a:prstGeom prst="rect">
+            <a:avLst/>
+          </a:prstGeom>
+          <a:noFill/>
+          <a:ln w="0">
+            <a:noFill/>
+          </a:ln>
+        </p:spPr>
+        <p:txBody>
+          <a:bodyPr lIns="0" rIns="0" tIns="0" bIns="0" anchor="ctr">
+            <a:noAutofit/>
+          </a:bodyPr>
+          <a:p>
+            <a:endParaRPr b="0" lang="de-DE" sz="3200" spc="-1" strike="noStrike" u="sng">
+              <a:uFillTx/>
+              <a:latin typeface="Arial"/>
+            </a:endParaRPr>
+          </a:p>
+        </p:txBody>
+      </p:sp>
+      <p:sp>
+        <p:nvSpPr>
+          <p:cNvPr id="54" name="PlaceHolder 2"/>
+          <p:cNvSpPr>
+            <a:spLocks noGrp="1"/>
+          </p:cNvSpPr>
+          <p:nvPr>
+            <p:ph type="subTitle"/>
+          </p:nvPr>
+        </p:nvSpPr>
+        <p:spPr>
+          <a:xfrm>
+            <a:off x="180000" y="1440000"/>
+            <a:ext cx="8820000" cy="3060000"/>
+          </a:xfrm>
+          <a:prstGeom prst="rect">
+            <a:avLst/>
+          </a:prstGeom>
+          <a:noFill/>
+          <a:ln w="0">
+            <a:noFill/>
+          </a:ln>
+        </p:spPr>
+        <p:txBody>
+          <a:bodyPr lIns="0" rIns="0" tIns="0" bIns="0" anchor="ctr">
+            <a:noAutofit/>
+          </a:bodyPr>
+          <a:p>
+            <a:pPr algn="ctr">
+              <a:buNone/>
+            </a:pPr>
+            <a:endParaRPr b="0" lang="de-DE" sz="3200" spc="-1" strike="noStrike">
+              <a:latin typeface="Arial"/>
+            </a:endParaRPr>
+          </a:p>
+        </p:txBody>
+      </p:sp>
+      <p:sp>
+        <p:nvSpPr>
+          <p:cNvPr id="4" name="PlaceHolder 3"/>
+          <p:cNvSpPr>
+            <a:spLocks noGrp="1"/>
+          </p:cNvSpPr>
+          <p:nvPr>
+            <p:ph type="ftr" idx="2"/>
+          </p:nvPr>
+        </p:nvSpPr>
+        <p:spPr/>
+        <p:txBody>
+          <a:bodyPr/>
+          <a:p>
+            <a:r>
+              <a:t>Footer</a:t>
+            </a:r>
+          </a:p>
+        </p:txBody>
+      </p:sp>
+    </p:spTree>
+  </p:cSld>
+</p:sldLayout>
+</file>
+
+<file path=ppt/slideLayouts/slideLayout15.xml><?xml version="1.0" encoding="utf-8"?>
+<p:sldLayout xmlns:a="http://schemas.openxmlformats.org/drawingml/2006/main" xmlns:p="http://schemas.openxmlformats.org/presentationml/2006/main" xmlns:r="http://schemas.openxmlformats.org/officeDocument/2006/relationships" xmlns:p14="http://schemas.microsoft.com/office/powerpoint/2010/main" xmlns:p15="http://schemas.microsoft.com/office/powerpoint/2012/main" xmlns:mc="http://schemas.openxmlformats.org/markup-compatibility/2006" type="obj" preserve="1">
+  <p:cSld name="Title, Content">
+    <p:spTree>
+      <p:nvGrpSpPr>
+        <p:cNvPr id="1" name=""/>
+        <p:cNvGrpSpPr/>
+        <p:nvPr/>
+      </p:nvGrpSpPr>
+      <p:grpSpPr>
+        <a:xfrm>
+          <a:off x="0" y="0"/>
+          <a:ext cx="0" cy="0"/>
+          <a:chOff x="0" y="0"/>
+          <a:chExt cx="0" cy="0"/>
+        </a:xfrm>
+      </p:grpSpPr>
+      <p:sp>
+        <p:nvSpPr>
+          <p:cNvPr id="55" name="PlaceHolder 1"/>
+          <p:cNvSpPr>
+            <a:spLocks noGrp="1"/>
+          </p:cNvSpPr>
+          <p:nvPr>
+            <p:ph type="title"/>
+          </p:nvPr>
+        </p:nvSpPr>
+        <p:spPr>
+          <a:xfrm>
+            <a:off x="180000" y="545760"/>
+            <a:ext cx="8820000" cy="534240"/>
+          </a:xfrm>
+          <a:prstGeom prst="rect">
+            <a:avLst/>
+          </a:prstGeom>
+          <a:noFill/>
+          <a:ln w="0">
+            <a:noFill/>
+          </a:ln>
+        </p:spPr>
+        <p:txBody>
+          <a:bodyPr lIns="0" rIns="0" tIns="0" bIns="0" anchor="ctr">
+            <a:noAutofit/>
+          </a:bodyPr>
+          <a:p>
+            <a:endParaRPr b="0" lang="de-DE" sz="3200" spc="-1" strike="noStrike" u="sng">
+              <a:uFillTx/>
+              <a:latin typeface="Arial"/>
+            </a:endParaRPr>
+          </a:p>
+        </p:txBody>
+      </p:sp>
+      <p:sp>
+        <p:nvSpPr>
+          <p:cNvPr id="56" name="PlaceHolder 2"/>
+          <p:cNvSpPr>
+            <a:spLocks noGrp="1"/>
+          </p:cNvSpPr>
+          <p:nvPr>
+            <p:ph/>
+          </p:nvPr>
+        </p:nvSpPr>
+        <p:spPr>
+          <a:xfrm>
+            <a:off x="180000" y="1440000"/>
+            <a:ext cx="8820000" cy="3060000"/>
+          </a:xfrm>
+          <a:prstGeom prst="rect">
+            <a:avLst/>
+          </a:prstGeom>
+          <a:noFill/>
+          <a:ln w="0">
+            <a:noFill/>
+          </a:ln>
+        </p:spPr>
+        <p:txBody>
+          <a:bodyPr lIns="0" rIns="0" tIns="0" bIns="0" anchor="t">
+            <a:normAutofit/>
+          </a:bodyPr>
+          <a:p>
+            <a:endParaRPr b="0" lang="de-DE" sz="2400" spc="-1" strike="noStrike">
+              <a:latin typeface="Arial"/>
+            </a:endParaRPr>
+          </a:p>
+        </p:txBody>
+      </p:sp>
+      <p:sp>
+        <p:nvSpPr>
+          <p:cNvPr id="4" name="PlaceHolder 3"/>
+          <p:cNvSpPr>
+            <a:spLocks noGrp="1"/>
+          </p:cNvSpPr>
+          <p:nvPr>
+            <p:ph type="ftr" idx="2"/>
+          </p:nvPr>
+        </p:nvSpPr>
+        <p:spPr/>
+        <p:txBody>
+          <a:bodyPr/>
+          <a:p>
+            <a:r>
+              <a:t>Footer</a:t>
+            </a:r>
+          </a:p>
+        </p:txBody>
+      </p:sp>
+    </p:spTree>
+  </p:cSld>
+</p:sldLayout>
+</file>
+
+<file path=ppt/slideLayouts/slideLayout16.xml><?xml version="1.0" encoding="utf-8"?>
+<p:sldLayout xmlns:a="http://schemas.openxmlformats.org/drawingml/2006/main" xmlns:p="http://schemas.openxmlformats.org/presentationml/2006/main" xmlns:r="http://schemas.openxmlformats.org/officeDocument/2006/relationships" xmlns:p14="http://schemas.microsoft.com/office/powerpoint/2010/main" xmlns:p15="http://schemas.microsoft.com/office/powerpoint/2012/main" xmlns:mc="http://schemas.openxmlformats.org/markup-compatibility/2006" type="twoObj" preserve="1">
+  <p:cSld name="Title, 2 Content">
+    <p:spTree>
+      <p:nvGrpSpPr>
+        <p:cNvPr id="1" name=""/>
+        <p:cNvGrpSpPr/>
+        <p:nvPr/>
+      </p:nvGrpSpPr>
+      <p:grpSpPr>
+        <a:xfrm>
+          <a:off x="0" y="0"/>
+          <a:ext cx="0" cy="0"/>
+          <a:chOff x="0" y="0"/>
+          <a:chExt cx="0" cy="0"/>
+        </a:xfrm>
+      </p:grpSpPr>
+      <p:sp>
+        <p:nvSpPr>
+          <p:cNvPr id="57" name="PlaceHolder 1"/>
+          <p:cNvSpPr>
+            <a:spLocks noGrp="1"/>
+          </p:cNvSpPr>
+          <p:nvPr>
+            <p:ph type="title"/>
+          </p:nvPr>
+        </p:nvSpPr>
+        <p:spPr>
+          <a:xfrm>
+            <a:off x="180000" y="545760"/>
+            <a:ext cx="8820000" cy="534240"/>
+          </a:xfrm>
+          <a:prstGeom prst="rect">
+            <a:avLst/>
+          </a:prstGeom>
+          <a:noFill/>
+          <a:ln w="0">
+            <a:noFill/>
+          </a:ln>
+        </p:spPr>
+        <p:txBody>
+          <a:bodyPr lIns="0" rIns="0" tIns="0" bIns="0" anchor="ctr">
+            <a:noAutofit/>
+          </a:bodyPr>
+          <a:p>
+            <a:endParaRPr b="0" lang="de-DE" sz="3200" spc="-1" strike="noStrike" u="sng">
+              <a:uFillTx/>
+              <a:latin typeface="Arial"/>
+            </a:endParaRPr>
+          </a:p>
+        </p:txBody>
+      </p:sp>
+      <p:sp>
+        <p:nvSpPr>
+          <p:cNvPr id="58" name="PlaceHolder 2"/>
+          <p:cNvSpPr>
+            <a:spLocks noGrp="1"/>
+          </p:cNvSpPr>
+          <p:nvPr>
+            <p:ph/>
+          </p:nvPr>
+        </p:nvSpPr>
+        <p:spPr>
+          <a:xfrm>
+            <a:off x="180000" y="1440000"/>
+            <a:ext cx="4303800" cy="3060000"/>
+          </a:xfrm>
+          <a:prstGeom prst="rect">
+            <a:avLst/>
+          </a:prstGeom>
+          <a:noFill/>
+          <a:ln w="0">
+            <a:noFill/>
+          </a:ln>
+        </p:spPr>
+        <p:txBody>
+          <a:bodyPr lIns="0" rIns="0" tIns="0" bIns="0" anchor="t">
+            <a:normAutofit/>
+          </a:bodyPr>
+          <a:p>
+            <a:endParaRPr b="0" lang="de-DE" sz="2400" spc="-1" strike="noStrike">
+              <a:latin typeface="Arial"/>
+            </a:endParaRPr>
+          </a:p>
+        </p:txBody>
+      </p:sp>
+      <p:sp>
+        <p:nvSpPr>
+          <p:cNvPr id="59" name="PlaceHolder 3"/>
+          <p:cNvSpPr>
+            <a:spLocks noGrp="1"/>
+          </p:cNvSpPr>
+          <p:nvPr>
+            <p:ph/>
+          </p:nvPr>
+        </p:nvSpPr>
+        <p:spPr>
+          <a:xfrm>
+            <a:off x="4699440" y="1440000"/>
+            <a:ext cx="4303800" cy="3060000"/>
+          </a:xfrm>
+          <a:prstGeom prst="rect">
+            <a:avLst/>
+          </a:prstGeom>
+          <a:noFill/>
+          <a:ln w="0">
+            <a:noFill/>
+          </a:ln>
+        </p:spPr>
+        <p:txBody>
+          <a:bodyPr lIns="0" rIns="0" tIns="0" bIns="0" anchor="t">
+            <a:normAutofit/>
+          </a:bodyPr>
+          <a:p>
+            <a:endParaRPr b="0" lang="de-DE" sz="2400" spc="-1" strike="noStrike">
+              <a:latin typeface="Arial"/>
+            </a:endParaRPr>
+          </a:p>
+        </p:txBody>
+      </p:sp>
+      <p:sp>
+        <p:nvSpPr>
+          <p:cNvPr id="5" name="PlaceHolder 4"/>
+          <p:cNvSpPr>
+            <a:spLocks noGrp="1"/>
+          </p:cNvSpPr>
+          <p:nvPr>
+            <p:ph type="ftr" idx="2"/>
+          </p:nvPr>
+        </p:nvSpPr>
+        <p:spPr/>
+        <p:txBody>
+          <a:bodyPr/>
+          <a:p>
+            <a:r>
+              <a:t>Footer</a:t>
+            </a:r>
+          </a:p>
+        </p:txBody>
+      </p:sp>
+    </p:spTree>
+  </p:cSld>
+</p:sldLayout>
+</file>
+
+<file path=ppt/slideLayouts/slideLayout17.xml><?xml version="1.0" encoding="utf-8"?>
+<p:sldLayout xmlns:a="http://schemas.openxmlformats.org/drawingml/2006/main" xmlns:p="http://schemas.openxmlformats.org/presentationml/2006/main" xmlns:r="http://schemas.openxmlformats.org/officeDocument/2006/relationships" xmlns:p14="http://schemas.microsoft.com/office/powerpoint/2010/main" xmlns:p15="http://schemas.microsoft.com/office/powerpoint/2012/main" xmlns:mc="http://schemas.openxmlformats.org/markup-compatibility/2006" type="titleOnly" preserve="1">
+  <p:cSld name="Title Only">
+    <p:spTree>
+      <p:nvGrpSpPr>
+        <p:cNvPr id="1" name=""/>
+        <p:cNvGrpSpPr/>
+        <p:nvPr/>
+      </p:nvGrpSpPr>
+      <p:grpSpPr>
+        <a:xfrm>
+          <a:off x="0" y="0"/>
+          <a:ext cx="0" cy="0"/>
+          <a:chOff x="0" y="0"/>
+          <a:chExt cx="0" cy="0"/>
+        </a:xfrm>
+      </p:grpSpPr>
+      <p:sp>
+        <p:nvSpPr>
+          <p:cNvPr id="60" name="PlaceHolder 1"/>
+          <p:cNvSpPr>
+            <a:spLocks noGrp="1"/>
+          </p:cNvSpPr>
+          <p:nvPr>
+            <p:ph type="title"/>
+          </p:nvPr>
+        </p:nvSpPr>
+        <p:spPr>
+          <a:xfrm>
+            <a:off x="180000" y="545760"/>
+            <a:ext cx="8820000" cy="534240"/>
+          </a:xfrm>
+          <a:prstGeom prst="rect">
+            <a:avLst/>
+          </a:prstGeom>
+          <a:noFill/>
+          <a:ln w="0">
+            <a:noFill/>
+          </a:ln>
+        </p:spPr>
+        <p:txBody>
+          <a:bodyPr lIns="0" rIns="0" tIns="0" bIns="0" anchor="ctr">
+            <a:noAutofit/>
+          </a:bodyPr>
+          <a:p>
+            <a:endParaRPr b="0" lang="de-DE" sz="3200" spc="-1" strike="noStrike" u="sng">
+              <a:uFillTx/>
+              <a:latin typeface="Arial"/>
+            </a:endParaRPr>
+          </a:p>
+        </p:txBody>
+      </p:sp>
+      <p:sp>
+        <p:nvSpPr>
+          <p:cNvPr id="3" name="PlaceHolder 2"/>
+          <p:cNvSpPr>
+            <a:spLocks noGrp="1"/>
+          </p:cNvSpPr>
+          <p:nvPr>
+            <p:ph type="ftr" idx="2"/>
+          </p:nvPr>
+        </p:nvSpPr>
+        <p:spPr/>
+        <p:txBody>
+          <a:bodyPr/>
+          <a:p>
+            <a:r>
+              <a:t>Footer</a:t>
+            </a:r>
+          </a:p>
+        </p:txBody>
+      </p:sp>
+    </p:spTree>
+  </p:cSld>
+</p:sldLayout>
+</file>
+
+<file path=ppt/slideLayouts/slideLayout18.xml><?xml version="1.0" encoding="utf-8"?>
+<p:sldLayout xmlns:a="http://schemas.openxmlformats.org/drawingml/2006/main" xmlns:p="http://schemas.openxmlformats.org/presentationml/2006/main" xmlns:r="http://schemas.openxmlformats.org/officeDocument/2006/relationships" xmlns:p14="http://schemas.microsoft.com/office/powerpoint/2010/main" xmlns:p15="http://schemas.microsoft.com/office/powerpoint/2012/main" xmlns:mc="http://schemas.openxmlformats.org/markup-compatibility/2006" type="objOnly" preserve="1">
+  <p:cSld name="Centered Text">
+    <p:spTree>
+      <p:nvGrpSpPr>
+        <p:cNvPr id="1" name=""/>
+        <p:cNvGrpSpPr/>
+        <p:nvPr/>
+      </p:nvGrpSpPr>
+      <p:grpSpPr>
+        <a:xfrm>
+          <a:off x="0" y="0"/>
+          <a:ext cx="0" cy="0"/>
+          <a:chOff x="0" y="0"/>
+          <a:chExt cx="0" cy="0"/>
+        </a:xfrm>
+      </p:grpSpPr>
+      <p:sp>
+        <p:nvSpPr>
+          <p:cNvPr id="61" name="PlaceHolder 1"/>
+          <p:cNvSpPr>
+            <a:spLocks noGrp="1"/>
+          </p:cNvSpPr>
+          <p:nvPr>
+            <p:ph type="subTitle"/>
+          </p:nvPr>
+        </p:nvSpPr>
+        <p:spPr>
+          <a:xfrm>
+            <a:off x="180000" y="545760"/>
+            <a:ext cx="8820000" cy="2477880"/>
+          </a:xfrm>
+          <a:prstGeom prst="rect">
+            <a:avLst/>
+          </a:prstGeom>
+          <a:noFill/>
+          <a:ln w="0">
+            <a:noFill/>
+          </a:ln>
+        </p:spPr>
+        <p:txBody>
+          <a:bodyPr lIns="0" rIns="0" tIns="0" bIns="0" anchor="ctr">
+            <a:noAutofit/>
+          </a:bodyPr>
+          <a:p>
+            <a:pPr algn="ctr">
+              <a:buNone/>
+            </a:pPr>
+            <a:endParaRPr b="0" lang="de-DE" sz="3200" spc="-1" strike="noStrike">
+              <a:latin typeface="Arial"/>
+            </a:endParaRPr>
+          </a:p>
+        </p:txBody>
+      </p:sp>
+      <p:sp>
+        <p:nvSpPr>
+          <p:cNvPr id="3" name="PlaceHolder 2"/>
+          <p:cNvSpPr>
+            <a:spLocks noGrp="1"/>
+          </p:cNvSpPr>
+          <p:nvPr>
+            <p:ph type="ftr" idx="2"/>
+          </p:nvPr>
+        </p:nvSpPr>
+        <p:spPr/>
+        <p:txBody>
+          <a:bodyPr/>
+          <a:p>
+            <a:r>
+              <a:t>Footer</a:t>
+            </a:r>
+          </a:p>
+        </p:txBody>
+      </p:sp>
+    </p:spTree>
+  </p:cSld>
+</p:sldLayout>
+</file>
+
+<file path=ppt/slideLayouts/slideLayout19.xml><?xml version="1.0" encoding="utf-8"?>
+<p:sldLayout xmlns:a="http://schemas.openxmlformats.org/drawingml/2006/main" xmlns:p="http://schemas.openxmlformats.org/presentationml/2006/main" xmlns:r="http://schemas.openxmlformats.org/officeDocument/2006/relationships" xmlns:p14="http://schemas.microsoft.com/office/powerpoint/2010/main" xmlns:p15="http://schemas.microsoft.com/office/powerpoint/2012/main" xmlns:mc="http://schemas.openxmlformats.org/markup-compatibility/2006" type="twoObjAndObj" preserve="1">
+  <p:cSld name="Title, 2 Content and Content">
+    <p:spTree>
+      <p:nvGrpSpPr>
+        <p:cNvPr id="1" name=""/>
+        <p:cNvGrpSpPr/>
+        <p:nvPr/>
+      </p:nvGrpSpPr>
+      <p:grpSpPr>
+        <a:xfrm>
+          <a:off x="0" y="0"/>
+          <a:ext cx="0" cy="0"/>
+          <a:chOff x="0" y="0"/>
+          <a:chExt cx="0" cy="0"/>
+        </a:xfrm>
+      </p:grpSpPr>
+      <p:sp>
+        <p:nvSpPr>
+          <p:cNvPr id="62" name="PlaceHolder 1"/>
+          <p:cNvSpPr>
+            <a:spLocks noGrp="1"/>
+          </p:cNvSpPr>
+          <p:nvPr>
+            <p:ph type="title"/>
+          </p:nvPr>
+        </p:nvSpPr>
+        <p:spPr>
+          <a:xfrm>
+            <a:off x="180000" y="545760"/>
+            <a:ext cx="8820000" cy="534240"/>
+          </a:xfrm>
+          <a:prstGeom prst="rect">
+            <a:avLst/>
+          </a:prstGeom>
+          <a:noFill/>
+          <a:ln w="0">
+            <a:noFill/>
+          </a:ln>
+        </p:spPr>
+        <p:txBody>
+          <a:bodyPr lIns="0" rIns="0" tIns="0" bIns="0" anchor="ctr">
+            <a:noAutofit/>
+          </a:bodyPr>
+          <a:p>
+            <a:endParaRPr b="0" lang="de-DE" sz="3200" spc="-1" strike="noStrike" u="sng">
+              <a:uFillTx/>
+              <a:latin typeface="Arial"/>
+            </a:endParaRPr>
+          </a:p>
+        </p:txBody>
+      </p:sp>
+      <p:sp>
+        <p:nvSpPr>
+          <p:cNvPr id="63" name="PlaceHolder 2"/>
+          <p:cNvSpPr>
+            <a:spLocks noGrp="1"/>
+          </p:cNvSpPr>
+          <p:nvPr>
+            <p:ph/>
+          </p:nvPr>
+        </p:nvSpPr>
+        <p:spPr>
+          <a:xfrm>
+            <a:off x="180000" y="1440000"/>
+            <a:ext cx="4303800" cy="1459440"/>
+          </a:xfrm>
+          <a:prstGeom prst="rect">
+            <a:avLst/>
+          </a:prstGeom>
+          <a:noFill/>
+          <a:ln w="0">
+            <a:noFill/>
+          </a:ln>
+        </p:spPr>
+        <p:txBody>
+          <a:bodyPr lIns="0" rIns="0" tIns="0" bIns="0" anchor="t">
+            <a:normAutofit/>
+          </a:bodyPr>
+          <a:p>
+            <a:endParaRPr b="0" lang="de-DE" sz="2400" spc="-1" strike="noStrike">
+              <a:latin typeface="Arial"/>
+            </a:endParaRPr>
+          </a:p>
+        </p:txBody>
+      </p:sp>
+      <p:sp>
+        <p:nvSpPr>
+          <p:cNvPr id="64" name="PlaceHolder 3"/>
+          <p:cNvSpPr>
+            <a:spLocks noGrp="1"/>
+          </p:cNvSpPr>
+          <p:nvPr>
+            <p:ph/>
+          </p:nvPr>
+        </p:nvSpPr>
+        <p:spPr>
+          <a:xfrm>
+            <a:off x="4699440" y="1440000"/>
+            <a:ext cx="4303800" cy="3060000"/>
+          </a:xfrm>
+          <a:prstGeom prst="rect">
+            <a:avLst/>
+          </a:prstGeom>
+          <a:noFill/>
+          <a:ln w="0">
+            <a:noFill/>
+          </a:ln>
+        </p:spPr>
+        <p:txBody>
+          <a:bodyPr lIns="0" rIns="0" tIns="0" bIns="0" anchor="t">
+            <a:normAutofit/>
+          </a:bodyPr>
+          <a:p>
+            <a:endParaRPr b="0" lang="de-DE" sz="2400" spc="-1" strike="noStrike">
+              <a:latin typeface="Arial"/>
+            </a:endParaRPr>
+          </a:p>
+        </p:txBody>
+      </p:sp>
+      <p:sp>
+        <p:nvSpPr>
+          <p:cNvPr id="65" name="PlaceHolder 4"/>
+          <p:cNvSpPr>
+            <a:spLocks noGrp="1"/>
+          </p:cNvSpPr>
+          <p:nvPr>
+            <p:ph/>
+          </p:nvPr>
+        </p:nvSpPr>
+        <p:spPr>
+          <a:xfrm>
+            <a:off x="180000" y="3038400"/>
+            <a:ext cx="4303800" cy="1459440"/>
+          </a:xfrm>
+          <a:prstGeom prst="rect">
+            <a:avLst/>
+          </a:prstGeom>
+          <a:noFill/>
+          <a:ln w="0">
+            <a:noFill/>
+          </a:ln>
+        </p:spPr>
+        <p:txBody>
+          <a:bodyPr lIns="0" rIns="0" tIns="0" bIns="0" anchor="t">
+            <a:normAutofit/>
+          </a:bodyPr>
+          <a:p>
+            <a:endParaRPr b="0" lang="de-DE" sz="2400" spc="-1" strike="noStrike">
+              <a:latin typeface="Arial"/>
+            </a:endParaRPr>
+          </a:p>
+        </p:txBody>
+      </p:sp>
+      <p:sp>
+        <p:nvSpPr>
+          <p:cNvPr id="6" name="PlaceHolder 5"/>
+          <p:cNvSpPr>
+            <a:spLocks noGrp="1"/>
+          </p:cNvSpPr>
+          <p:nvPr>
+            <p:ph type="ftr" idx="2"/>
           </p:nvPr>
         </p:nvSpPr>
         <p:spPr/>
@@ -755,7 +1461,7 @@
       </p:grpSpPr>
       <p:sp>
         <p:nvSpPr>
-          <p:cNvPr id="10" name="PlaceHolder 1"/>
+          <p:cNvPr id="8" name="PlaceHolder 1"/>
           <p:cNvSpPr>
             <a:spLocks noGrp="1"/>
           </p:cNvSpPr>
@@ -765,8 +1471,8 @@
         </p:nvSpPr>
         <p:spPr>
           <a:xfrm>
-            <a:off x="540000" y="1260000"/>
-            <a:ext cx="7920000" cy="1440000"/>
+            <a:off x="180000" y="545760"/>
+            <a:ext cx="8820000" cy="534240"/>
           </a:xfrm>
           <a:prstGeom prst="rect">
             <a:avLst/>
@@ -781,18 +1487,16 @@
             <a:noAutofit/>
           </a:bodyPr>
           <a:p>
-            <a:endParaRPr b="0" lang="de-DE" sz="2000" spc="-1" strike="noStrike">
-              <a:solidFill>
-                <a:srgbClr val="000000"/>
-              </a:solidFill>
-              <a:latin typeface="Arial"/>
-            </a:endParaRPr>
-          </a:p>
-        </p:txBody>
-      </p:sp>
-      <p:sp>
-        <p:nvSpPr>
-          <p:cNvPr id="11" name="PlaceHolder 2"/>
+            <a:endParaRPr b="0" lang="de-DE" sz="3200" spc="-1" strike="noStrike" u="sng">
+              <a:uFillTx/>
+              <a:latin typeface="Arial"/>
+            </a:endParaRPr>
+          </a:p>
+        </p:txBody>
+      </p:sp>
+      <p:sp>
+        <p:nvSpPr>
+          <p:cNvPr id="9" name="PlaceHolder 2"/>
           <p:cNvSpPr>
             <a:spLocks noGrp="1"/>
           </p:cNvSpPr>
@@ -802,8 +1506,8 @@
         </p:nvSpPr>
         <p:spPr>
           <a:xfrm>
-            <a:off x="431640" y="2160000"/>
-            <a:ext cx="8229240" cy="3977280"/>
+            <a:off x="180000" y="1440000"/>
+            <a:ext cx="8820000" cy="3060000"/>
           </a:xfrm>
           <a:prstGeom prst="rect">
             <a:avLst/>
@@ -835,6 +1539,1003 @@
           </p:cNvSpPr>
           <p:nvPr>
             <p:ph type="ftr" idx="1"/>
+          </p:nvPr>
+        </p:nvSpPr>
+        <p:spPr/>
+        <p:txBody>
+          <a:bodyPr/>
+          <a:p>
+            <a:r>
+              <a:t>Footer</a:t>
+            </a:r>
+          </a:p>
+        </p:txBody>
+      </p:sp>
+    </p:spTree>
+  </p:cSld>
+</p:sldLayout>
+</file>
+
+<file path=ppt/slideLayouts/slideLayout20.xml><?xml version="1.0" encoding="utf-8"?>
+<p:sldLayout xmlns:a="http://schemas.openxmlformats.org/drawingml/2006/main" xmlns:p="http://schemas.openxmlformats.org/presentationml/2006/main" xmlns:r="http://schemas.openxmlformats.org/officeDocument/2006/relationships" xmlns:p14="http://schemas.microsoft.com/office/powerpoint/2010/main" xmlns:p15="http://schemas.microsoft.com/office/powerpoint/2012/main" xmlns:mc="http://schemas.openxmlformats.org/markup-compatibility/2006" type="objAndTwoObj" preserve="1">
+  <p:cSld name="Title Content and 2 Content">
+    <p:spTree>
+      <p:nvGrpSpPr>
+        <p:cNvPr id="1" name=""/>
+        <p:cNvGrpSpPr/>
+        <p:nvPr/>
+      </p:nvGrpSpPr>
+      <p:grpSpPr>
+        <a:xfrm>
+          <a:off x="0" y="0"/>
+          <a:ext cx="0" cy="0"/>
+          <a:chOff x="0" y="0"/>
+          <a:chExt cx="0" cy="0"/>
+        </a:xfrm>
+      </p:grpSpPr>
+      <p:sp>
+        <p:nvSpPr>
+          <p:cNvPr id="66" name="PlaceHolder 1"/>
+          <p:cNvSpPr>
+            <a:spLocks noGrp="1"/>
+          </p:cNvSpPr>
+          <p:nvPr>
+            <p:ph type="title"/>
+          </p:nvPr>
+        </p:nvSpPr>
+        <p:spPr>
+          <a:xfrm>
+            <a:off x="180000" y="545760"/>
+            <a:ext cx="8820000" cy="534240"/>
+          </a:xfrm>
+          <a:prstGeom prst="rect">
+            <a:avLst/>
+          </a:prstGeom>
+          <a:noFill/>
+          <a:ln w="0">
+            <a:noFill/>
+          </a:ln>
+        </p:spPr>
+        <p:txBody>
+          <a:bodyPr lIns="0" rIns="0" tIns="0" bIns="0" anchor="ctr">
+            <a:noAutofit/>
+          </a:bodyPr>
+          <a:p>
+            <a:endParaRPr b="0" lang="de-DE" sz="3200" spc="-1" strike="noStrike" u="sng">
+              <a:uFillTx/>
+              <a:latin typeface="Arial"/>
+            </a:endParaRPr>
+          </a:p>
+        </p:txBody>
+      </p:sp>
+      <p:sp>
+        <p:nvSpPr>
+          <p:cNvPr id="67" name="PlaceHolder 2"/>
+          <p:cNvSpPr>
+            <a:spLocks noGrp="1"/>
+          </p:cNvSpPr>
+          <p:nvPr>
+            <p:ph/>
+          </p:nvPr>
+        </p:nvSpPr>
+        <p:spPr>
+          <a:xfrm>
+            <a:off x="180000" y="1440000"/>
+            <a:ext cx="4303800" cy="3060000"/>
+          </a:xfrm>
+          <a:prstGeom prst="rect">
+            <a:avLst/>
+          </a:prstGeom>
+          <a:noFill/>
+          <a:ln w="0">
+            <a:noFill/>
+          </a:ln>
+        </p:spPr>
+        <p:txBody>
+          <a:bodyPr lIns="0" rIns="0" tIns="0" bIns="0" anchor="t">
+            <a:normAutofit/>
+          </a:bodyPr>
+          <a:p>
+            <a:endParaRPr b="0" lang="de-DE" sz="2400" spc="-1" strike="noStrike">
+              <a:latin typeface="Arial"/>
+            </a:endParaRPr>
+          </a:p>
+        </p:txBody>
+      </p:sp>
+      <p:sp>
+        <p:nvSpPr>
+          <p:cNvPr id="68" name="PlaceHolder 3"/>
+          <p:cNvSpPr>
+            <a:spLocks noGrp="1"/>
+          </p:cNvSpPr>
+          <p:nvPr>
+            <p:ph/>
+          </p:nvPr>
+        </p:nvSpPr>
+        <p:spPr>
+          <a:xfrm>
+            <a:off x="4699440" y="1440000"/>
+            <a:ext cx="4303800" cy="1459440"/>
+          </a:xfrm>
+          <a:prstGeom prst="rect">
+            <a:avLst/>
+          </a:prstGeom>
+          <a:noFill/>
+          <a:ln w="0">
+            <a:noFill/>
+          </a:ln>
+        </p:spPr>
+        <p:txBody>
+          <a:bodyPr lIns="0" rIns="0" tIns="0" bIns="0" anchor="t">
+            <a:normAutofit/>
+          </a:bodyPr>
+          <a:p>
+            <a:endParaRPr b="0" lang="de-DE" sz="2400" spc="-1" strike="noStrike">
+              <a:latin typeface="Arial"/>
+            </a:endParaRPr>
+          </a:p>
+        </p:txBody>
+      </p:sp>
+      <p:sp>
+        <p:nvSpPr>
+          <p:cNvPr id="69" name="PlaceHolder 4"/>
+          <p:cNvSpPr>
+            <a:spLocks noGrp="1"/>
+          </p:cNvSpPr>
+          <p:nvPr>
+            <p:ph/>
+          </p:nvPr>
+        </p:nvSpPr>
+        <p:spPr>
+          <a:xfrm>
+            <a:off x="4699440" y="3038400"/>
+            <a:ext cx="4303800" cy="1459440"/>
+          </a:xfrm>
+          <a:prstGeom prst="rect">
+            <a:avLst/>
+          </a:prstGeom>
+          <a:noFill/>
+          <a:ln w="0">
+            <a:noFill/>
+          </a:ln>
+        </p:spPr>
+        <p:txBody>
+          <a:bodyPr lIns="0" rIns="0" tIns="0" bIns="0" anchor="t">
+            <a:normAutofit/>
+          </a:bodyPr>
+          <a:p>
+            <a:endParaRPr b="0" lang="de-DE" sz="2400" spc="-1" strike="noStrike">
+              <a:latin typeface="Arial"/>
+            </a:endParaRPr>
+          </a:p>
+        </p:txBody>
+      </p:sp>
+      <p:sp>
+        <p:nvSpPr>
+          <p:cNvPr id="6" name="PlaceHolder 5"/>
+          <p:cNvSpPr>
+            <a:spLocks noGrp="1"/>
+          </p:cNvSpPr>
+          <p:nvPr>
+            <p:ph type="ftr" idx="2"/>
+          </p:nvPr>
+        </p:nvSpPr>
+        <p:spPr/>
+        <p:txBody>
+          <a:bodyPr/>
+          <a:p>
+            <a:r>
+              <a:t>Footer</a:t>
+            </a:r>
+          </a:p>
+        </p:txBody>
+      </p:sp>
+    </p:spTree>
+  </p:cSld>
+</p:sldLayout>
+</file>
+
+<file path=ppt/slideLayouts/slideLayout21.xml><?xml version="1.0" encoding="utf-8"?>
+<p:sldLayout xmlns:a="http://schemas.openxmlformats.org/drawingml/2006/main" xmlns:p="http://schemas.openxmlformats.org/presentationml/2006/main" xmlns:r="http://schemas.openxmlformats.org/officeDocument/2006/relationships" xmlns:p14="http://schemas.microsoft.com/office/powerpoint/2010/main" xmlns:p15="http://schemas.microsoft.com/office/powerpoint/2012/main" xmlns:mc="http://schemas.openxmlformats.org/markup-compatibility/2006" type="twoObjOverTx" preserve="1">
+  <p:cSld name="Title, 2 Content over Content">
+    <p:spTree>
+      <p:nvGrpSpPr>
+        <p:cNvPr id="1" name=""/>
+        <p:cNvGrpSpPr/>
+        <p:nvPr/>
+      </p:nvGrpSpPr>
+      <p:grpSpPr>
+        <a:xfrm>
+          <a:off x="0" y="0"/>
+          <a:ext cx="0" cy="0"/>
+          <a:chOff x="0" y="0"/>
+          <a:chExt cx="0" cy="0"/>
+        </a:xfrm>
+      </p:grpSpPr>
+      <p:sp>
+        <p:nvSpPr>
+          <p:cNvPr id="70" name="PlaceHolder 1"/>
+          <p:cNvSpPr>
+            <a:spLocks noGrp="1"/>
+          </p:cNvSpPr>
+          <p:nvPr>
+            <p:ph type="title"/>
+          </p:nvPr>
+        </p:nvSpPr>
+        <p:spPr>
+          <a:xfrm>
+            <a:off x="180000" y="545760"/>
+            <a:ext cx="8820000" cy="534240"/>
+          </a:xfrm>
+          <a:prstGeom prst="rect">
+            <a:avLst/>
+          </a:prstGeom>
+          <a:noFill/>
+          <a:ln w="0">
+            <a:noFill/>
+          </a:ln>
+        </p:spPr>
+        <p:txBody>
+          <a:bodyPr lIns="0" rIns="0" tIns="0" bIns="0" anchor="ctr">
+            <a:noAutofit/>
+          </a:bodyPr>
+          <a:p>
+            <a:endParaRPr b="0" lang="de-DE" sz="3200" spc="-1" strike="noStrike" u="sng">
+              <a:uFillTx/>
+              <a:latin typeface="Arial"/>
+            </a:endParaRPr>
+          </a:p>
+        </p:txBody>
+      </p:sp>
+      <p:sp>
+        <p:nvSpPr>
+          <p:cNvPr id="71" name="PlaceHolder 2"/>
+          <p:cNvSpPr>
+            <a:spLocks noGrp="1"/>
+          </p:cNvSpPr>
+          <p:nvPr>
+            <p:ph/>
+          </p:nvPr>
+        </p:nvSpPr>
+        <p:spPr>
+          <a:xfrm>
+            <a:off x="180000" y="1440000"/>
+            <a:ext cx="4303800" cy="1459440"/>
+          </a:xfrm>
+          <a:prstGeom prst="rect">
+            <a:avLst/>
+          </a:prstGeom>
+          <a:noFill/>
+          <a:ln w="0">
+            <a:noFill/>
+          </a:ln>
+        </p:spPr>
+        <p:txBody>
+          <a:bodyPr lIns="0" rIns="0" tIns="0" bIns="0" anchor="t">
+            <a:normAutofit/>
+          </a:bodyPr>
+          <a:p>
+            <a:endParaRPr b="0" lang="de-DE" sz="2400" spc="-1" strike="noStrike">
+              <a:latin typeface="Arial"/>
+            </a:endParaRPr>
+          </a:p>
+        </p:txBody>
+      </p:sp>
+      <p:sp>
+        <p:nvSpPr>
+          <p:cNvPr id="72" name="PlaceHolder 3"/>
+          <p:cNvSpPr>
+            <a:spLocks noGrp="1"/>
+          </p:cNvSpPr>
+          <p:nvPr>
+            <p:ph/>
+          </p:nvPr>
+        </p:nvSpPr>
+        <p:spPr>
+          <a:xfrm>
+            <a:off x="4699440" y="1440000"/>
+            <a:ext cx="4303800" cy="1459440"/>
+          </a:xfrm>
+          <a:prstGeom prst="rect">
+            <a:avLst/>
+          </a:prstGeom>
+          <a:noFill/>
+          <a:ln w="0">
+            <a:noFill/>
+          </a:ln>
+        </p:spPr>
+        <p:txBody>
+          <a:bodyPr lIns="0" rIns="0" tIns="0" bIns="0" anchor="t">
+            <a:normAutofit/>
+          </a:bodyPr>
+          <a:p>
+            <a:endParaRPr b="0" lang="de-DE" sz="2400" spc="-1" strike="noStrike">
+              <a:latin typeface="Arial"/>
+            </a:endParaRPr>
+          </a:p>
+        </p:txBody>
+      </p:sp>
+      <p:sp>
+        <p:nvSpPr>
+          <p:cNvPr id="73" name="PlaceHolder 4"/>
+          <p:cNvSpPr>
+            <a:spLocks noGrp="1"/>
+          </p:cNvSpPr>
+          <p:nvPr>
+            <p:ph/>
+          </p:nvPr>
+        </p:nvSpPr>
+        <p:spPr>
+          <a:xfrm>
+            <a:off x="180000" y="3038400"/>
+            <a:ext cx="8820000" cy="1459440"/>
+          </a:xfrm>
+          <a:prstGeom prst="rect">
+            <a:avLst/>
+          </a:prstGeom>
+          <a:noFill/>
+          <a:ln w="0">
+            <a:noFill/>
+          </a:ln>
+        </p:spPr>
+        <p:txBody>
+          <a:bodyPr lIns="0" rIns="0" tIns="0" bIns="0" anchor="t">
+            <a:normAutofit/>
+          </a:bodyPr>
+          <a:p>
+            <a:endParaRPr b="0" lang="de-DE" sz="2400" spc="-1" strike="noStrike">
+              <a:latin typeface="Arial"/>
+            </a:endParaRPr>
+          </a:p>
+        </p:txBody>
+      </p:sp>
+      <p:sp>
+        <p:nvSpPr>
+          <p:cNvPr id="6" name="PlaceHolder 5"/>
+          <p:cNvSpPr>
+            <a:spLocks noGrp="1"/>
+          </p:cNvSpPr>
+          <p:nvPr>
+            <p:ph type="ftr" idx="2"/>
+          </p:nvPr>
+        </p:nvSpPr>
+        <p:spPr/>
+        <p:txBody>
+          <a:bodyPr/>
+          <a:p>
+            <a:r>
+              <a:t>Footer</a:t>
+            </a:r>
+          </a:p>
+        </p:txBody>
+      </p:sp>
+    </p:spTree>
+  </p:cSld>
+</p:sldLayout>
+</file>
+
+<file path=ppt/slideLayouts/slideLayout22.xml><?xml version="1.0" encoding="utf-8"?>
+<p:sldLayout xmlns:a="http://schemas.openxmlformats.org/drawingml/2006/main" xmlns:p="http://schemas.openxmlformats.org/presentationml/2006/main" xmlns:r="http://schemas.openxmlformats.org/officeDocument/2006/relationships" xmlns:p14="http://schemas.microsoft.com/office/powerpoint/2010/main" xmlns:p15="http://schemas.microsoft.com/office/powerpoint/2012/main" xmlns:mc="http://schemas.openxmlformats.org/markup-compatibility/2006" type="objOverTx" preserve="1">
+  <p:cSld name="Title, Content over Content">
+    <p:spTree>
+      <p:nvGrpSpPr>
+        <p:cNvPr id="1" name=""/>
+        <p:cNvGrpSpPr/>
+        <p:nvPr/>
+      </p:nvGrpSpPr>
+      <p:grpSpPr>
+        <a:xfrm>
+          <a:off x="0" y="0"/>
+          <a:ext cx="0" cy="0"/>
+          <a:chOff x="0" y="0"/>
+          <a:chExt cx="0" cy="0"/>
+        </a:xfrm>
+      </p:grpSpPr>
+      <p:sp>
+        <p:nvSpPr>
+          <p:cNvPr id="74" name="PlaceHolder 1"/>
+          <p:cNvSpPr>
+            <a:spLocks noGrp="1"/>
+          </p:cNvSpPr>
+          <p:nvPr>
+            <p:ph type="title"/>
+          </p:nvPr>
+        </p:nvSpPr>
+        <p:spPr>
+          <a:xfrm>
+            <a:off x="180000" y="545760"/>
+            <a:ext cx="8820000" cy="534240"/>
+          </a:xfrm>
+          <a:prstGeom prst="rect">
+            <a:avLst/>
+          </a:prstGeom>
+          <a:noFill/>
+          <a:ln w="0">
+            <a:noFill/>
+          </a:ln>
+        </p:spPr>
+        <p:txBody>
+          <a:bodyPr lIns="0" rIns="0" tIns="0" bIns="0" anchor="ctr">
+            <a:noAutofit/>
+          </a:bodyPr>
+          <a:p>
+            <a:endParaRPr b="0" lang="de-DE" sz="3200" spc="-1" strike="noStrike" u="sng">
+              <a:uFillTx/>
+              <a:latin typeface="Arial"/>
+            </a:endParaRPr>
+          </a:p>
+        </p:txBody>
+      </p:sp>
+      <p:sp>
+        <p:nvSpPr>
+          <p:cNvPr id="75" name="PlaceHolder 2"/>
+          <p:cNvSpPr>
+            <a:spLocks noGrp="1"/>
+          </p:cNvSpPr>
+          <p:nvPr>
+            <p:ph/>
+          </p:nvPr>
+        </p:nvSpPr>
+        <p:spPr>
+          <a:xfrm>
+            <a:off x="180000" y="1440000"/>
+            <a:ext cx="8820000" cy="1459440"/>
+          </a:xfrm>
+          <a:prstGeom prst="rect">
+            <a:avLst/>
+          </a:prstGeom>
+          <a:noFill/>
+          <a:ln w="0">
+            <a:noFill/>
+          </a:ln>
+        </p:spPr>
+        <p:txBody>
+          <a:bodyPr lIns="0" rIns="0" tIns="0" bIns="0" anchor="t">
+            <a:normAutofit/>
+          </a:bodyPr>
+          <a:p>
+            <a:endParaRPr b="0" lang="de-DE" sz="2400" spc="-1" strike="noStrike">
+              <a:latin typeface="Arial"/>
+            </a:endParaRPr>
+          </a:p>
+        </p:txBody>
+      </p:sp>
+      <p:sp>
+        <p:nvSpPr>
+          <p:cNvPr id="76" name="PlaceHolder 3"/>
+          <p:cNvSpPr>
+            <a:spLocks noGrp="1"/>
+          </p:cNvSpPr>
+          <p:nvPr>
+            <p:ph/>
+          </p:nvPr>
+        </p:nvSpPr>
+        <p:spPr>
+          <a:xfrm>
+            <a:off x="180000" y="3038400"/>
+            <a:ext cx="8820000" cy="1459440"/>
+          </a:xfrm>
+          <a:prstGeom prst="rect">
+            <a:avLst/>
+          </a:prstGeom>
+          <a:noFill/>
+          <a:ln w="0">
+            <a:noFill/>
+          </a:ln>
+        </p:spPr>
+        <p:txBody>
+          <a:bodyPr lIns="0" rIns="0" tIns="0" bIns="0" anchor="t">
+            <a:normAutofit/>
+          </a:bodyPr>
+          <a:p>
+            <a:endParaRPr b="0" lang="de-DE" sz="2400" spc="-1" strike="noStrike">
+              <a:latin typeface="Arial"/>
+            </a:endParaRPr>
+          </a:p>
+        </p:txBody>
+      </p:sp>
+      <p:sp>
+        <p:nvSpPr>
+          <p:cNvPr id="5" name="PlaceHolder 4"/>
+          <p:cNvSpPr>
+            <a:spLocks noGrp="1"/>
+          </p:cNvSpPr>
+          <p:nvPr>
+            <p:ph type="ftr" idx="2"/>
+          </p:nvPr>
+        </p:nvSpPr>
+        <p:spPr/>
+        <p:txBody>
+          <a:bodyPr/>
+          <a:p>
+            <a:r>
+              <a:t>Footer</a:t>
+            </a:r>
+          </a:p>
+        </p:txBody>
+      </p:sp>
+    </p:spTree>
+  </p:cSld>
+</p:sldLayout>
+</file>
+
+<file path=ppt/slideLayouts/slideLayout23.xml><?xml version="1.0" encoding="utf-8"?>
+<p:sldLayout xmlns:a="http://schemas.openxmlformats.org/drawingml/2006/main" xmlns:p="http://schemas.openxmlformats.org/presentationml/2006/main" xmlns:r="http://schemas.openxmlformats.org/officeDocument/2006/relationships" xmlns:p14="http://schemas.microsoft.com/office/powerpoint/2010/main" xmlns:p15="http://schemas.microsoft.com/office/powerpoint/2012/main" xmlns:mc="http://schemas.openxmlformats.org/markup-compatibility/2006" type="fourObj" preserve="1">
+  <p:cSld name="Title, 4 Content">
+    <p:spTree>
+      <p:nvGrpSpPr>
+        <p:cNvPr id="1" name=""/>
+        <p:cNvGrpSpPr/>
+        <p:nvPr/>
+      </p:nvGrpSpPr>
+      <p:grpSpPr>
+        <a:xfrm>
+          <a:off x="0" y="0"/>
+          <a:ext cx="0" cy="0"/>
+          <a:chOff x="0" y="0"/>
+          <a:chExt cx="0" cy="0"/>
+        </a:xfrm>
+      </p:grpSpPr>
+      <p:sp>
+        <p:nvSpPr>
+          <p:cNvPr id="77" name="PlaceHolder 1"/>
+          <p:cNvSpPr>
+            <a:spLocks noGrp="1"/>
+          </p:cNvSpPr>
+          <p:nvPr>
+            <p:ph type="title"/>
+          </p:nvPr>
+        </p:nvSpPr>
+        <p:spPr>
+          <a:xfrm>
+            <a:off x="180000" y="545760"/>
+            <a:ext cx="8820000" cy="534240"/>
+          </a:xfrm>
+          <a:prstGeom prst="rect">
+            <a:avLst/>
+          </a:prstGeom>
+          <a:noFill/>
+          <a:ln w="0">
+            <a:noFill/>
+          </a:ln>
+        </p:spPr>
+        <p:txBody>
+          <a:bodyPr lIns="0" rIns="0" tIns="0" bIns="0" anchor="ctr">
+            <a:noAutofit/>
+          </a:bodyPr>
+          <a:p>
+            <a:endParaRPr b="0" lang="de-DE" sz="3200" spc="-1" strike="noStrike" u="sng">
+              <a:uFillTx/>
+              <a:latin typeface="Arial"/>
+            </a:endParaRPr>
+          </a:p>
+        </p:txBody>
+      </p:sp>
+      <p:sp>
+        <p:nvSpPr>
+          <p:cNvPr id="78" name="PlaceHolder 2"/>
+          <p:cNvSpPr>
+            <a:spLocks noGrp="1"/>
+          </p:cNvSpPr>
+          <p:nvPr>
+            <p:ph/>
+          </p:nvPr>
+        </p:nvSpPr>
+        <p:spPr>
+          <a:xfrm>
+            <a:off x="180000" y="1440000"/>
+            <a:ext cx="4303800" cy="1459440"/>
+          </a:xfrm>
+          <a:prstGeom prst="rect">
+            <a:avLst/>
+          </a:prstGeom>
+          <a:noFill/>
+          <a:ln w="0">
+            <a:noFill/>
+          </a:ln>
+        </p:spPr>
+        <p:txBody>
+          <a:bodyPr lIns="0" rIns="0" tIns="0" bIns="0" anchor="t">
+            <a:normAutofit/>
+          </a:bodyPr>
+          <a:p>
+            <a:endParaRPr b="0" lang="de-DE" sz="2400" spc="-1" strike="noStrike">
+              <a:latin typeface="Arial"/>
+            </a:endParaRPr>
+          </a:p>
+        </p:txBody>
+      </p:sp>
+      <p:sp>
+        <p:nvSpPr>
+          <p:cNvPr id="79" name="PlaceHolder 3"/>
+          <p:cNvSpPr>
+            <a:spLocks noGrp="1"/>
+          </p:cNvSpPr>
+          <p:nvPr>
+            <p:ph/>
+          </p:nvPr>
+        </p:nvSpPr>
+        <p:spPr>
+          <a:xfrm>
+            <a:off x="4699440" y="1440000"/>
+            <a:ext cx="4303800" cy="1459440"/>
+          </a:xfrm>
+          <a:prstGeom prst="rect">
+            <a:avLst/>
+          </a:prstGeom>
+          <a:noFill/>
+          <a:ln w="0">
+            <a:noFill/>
+          </a:ln>
+        </p:spPr>
+        <p:txBody>
+          <a:bodyPr lIns="0" rIns="0" tIns="0" bIns="0" anchor="t">
+            <a:normAutofit/>
+          </a:bodyPr>
+          <a:p>
+            <a:endParaRPr b="0" lang="de-DE" sz="2400" spc="-1" strike="noStrike">
+              <a:latin typeface="Arial"/>
+            </a:endParaRPr>
+          </a:p>
+        </p:txBody>
+      </p:sp>
+      <p:sp>
+        <p:nvSpPr>
+          <p:cNvPr id="80" name="PlaceHolder 4"/>
+          <p:cNvSpPr>
+            <a:spLocks noGrp="1"/>
+          </p:cNvSpPr>
+          <p:nvPr>
+            <p:ph/>
+          </p:nvPr>
+        </p:nvSpPr>
+        <p:spPr>
+          <a:xfrm>
+            <a:off x="180000" y="3038400"/>
+            <a:ext cx="4303800" cy="1459440"/>
+          </a:xfrm>
+          <a:prstGeom prst="rect">
+            <a:avLst/>
+          </a:prstGeom>
+          <a:noFill/>
+          <a:ln w="0">
+            <a:noFill/>
+          </a:ln>
+        </p:spPr>
+        <p:txBody>
+          <a:bodyPr lIns="0" rIns="0" tIns="0" bIns="0" anchor="t">
+            <a:normAutofit/>
+          </a:bodyPr>
+          <a:p>
+            <a:endParaRPr b="0" lang="de-DE" sz="2400" spc="-1" strike="noStrike">
+              <a:latin typeface="Arial"/>
+            </a:endParaRPr>
+          </a:p>
+        </p:txBody>
+      </p:sp>
+      <p:sp>
+        <p:nvSpPr>
+          <p:cNvPr id="81" name="PlaceHolder 5"/>
+          <p:cNvSpPr>
+            <a:spLocks noGrp="1"/>
+          </p:cNvSpPr>
+          <p:nvPr>
+            <p:ph/>
+          </p:nvPr>
+        </p:nvSpPr>
+        <p:spPr>
+          <a:xfrm>
+            <a:off x="4699440" y="3038400"/>
+            <a:ext cx="4303800" cy="1459440"/>
+          </a:xfrm>
+          <a:prstGeom prst="rect">
+            <a:avLst/>
+          </a:prstGeom>
+          <a:noFill/>
+          <a:ln w="0">
+            <a:noFill/>
+          </a:ln>
+        </p:spPr>
+        <p:txBody>
+          <a:bodyPr lIns="0" rIns="0" tIns="0" bIns="0" anchor="t">
+            <a:normAutofit/>
+          </a:bodyPr>
+          <a:p>
+            <a:endParaRPr b="0" lang="de-DE" sz="2400" spc="-1" strike="noStrike">
+              <a:latin typeface="Arial"/>
+            </a:endParaRPr>
+          </a:p>
+        </p:txBody>
+      </p:sp>
+      <p:sp>
+        <p:nvSpPr>
+          <p:cNvPr id="7" name="PlaceHolder 6"/>
+          <p:cNvSpPr>
+            <a:spLocks noGrp="1"/>
+          </p:cNvSpPr>
+          <p:nvPr>
+            <p:ph type="ftr" idx="2"/>
+          </p:nvPr>
+        </p:nvSpPr>
+        <p:spPr/>
+        <p:txBody>
+          <a:bodyPr/>
+          <a:p>
+            <a:r>
+              <a:t>Footer</a:t>
+            </a:r>
+          </a:p>
+        </p:txBody>
+      </p:sp>
+    </p:spTree>
+  </p:cSld>
+</p:sldLayout>
+</file>
+
+<file path=ppt/slideLayouts/slideLayout24.xml><?xml version="1.0" encoding="utf-8"?>
+<p:sldLayout xmlns:a="http://schemas.openxmlformats.org/drawingml/2006/main" xmlns:p="http://schemas.openxmlformats.org/presentationml/2006/main" xmlns:r="http://schemas.openxmlformats.org/officeDocument/2006/relationships" xmlns:p14="http://schemas.microsoft.com/office/powerpoint/2010/main" xmlns:p15="http://schemas.microsoft.com/office/powerpoint/2012/main" xmlns:mc="http://schemas.openxmlformats.org/markup-compatibility/2006" type="blank" preserve="1">
+  <p:cSld name="Title, 6 Content">
+    <p:spTree>
+      <p:nvGrpSpPr>
+        <p:cNvPr id="1" name=""/>
+        <p:cNvGrpSpPr/>
+        <p:nvPr/>
+      </p:nvGrpSpPr>
+      <p:grpSpPr>
+        <a:xfrm>
+          <a:off x="0" y="0"/>
+          <a:ext cx="0" cy="0"/>
+          <a:chOff x="0" y="0"/>
+          <a:chExt cx="0" cy="0"/>
+        </a:xfrm>
+      </p:grpSpPr>
+      <p:sp>
+        <p:nvSpPr>
+          <p:cNvPr id="82" name="PlaceHolder 1"/>
+          <p:cNvSpPr>
+            <a:spLocks noGrp="1"/>
+          </p:cNvSpPr>
+          <p:nvPr>
+            <p:ph type="title"/>
+          </p:nvPr>
+        </p:nvSpPr>
+        <p:spPr>
+          <a:xfrm>
+            <a:off x="180000" y="545760"/>
+            <a:ext cx="8820000" cy="534240"/>
+          </a:xfrm>
+          <a:prstGeom prst="rect">
+            <a:avLst/>
+          </a:prstGeom>
+          <a:noFill/>
+          <a:ln w="0">
+            <a:noFill/>
+          </a:ln>
+        </p:spPr>
+        <p:txBody>
+          <a:bodyPr lIns="0" rIns="0" tIns="0" bIns="0" anchor="ctr">
+            <a:noAutofit/>
+          </a:bodyPr>
+          <a:p>
+            <a:endParaRPr b="0" lang="de-DE" sz="3200" spc="-1" strike="noStrike" u="sng">
+              <a:uFillTx/>
+              <a:latin typeface="Arial"/>
+            </a:endParaRPr>
+          </a:p>
+        </p:txBody>
+      </p:sp>
+      <p:sp>
+        <p:nvSpPr>
+          <p:cNvPr id="83" name="PlaceHolder 2"/>
+          <p:cNvSpPr>
+            <a:spLocks noGrp="1"/>
+          </p:cNvSpPr>
+          <p:nvPr>
+            <p:ph/>
+          </p:nvPr>
+        </p:nvSpPr>
+        <p:spPr>
+          <a:xfrm>
+            <a:off x="180000" y="1440000"/>
+            <a:ext cx="2839680" cy="1459440"/>
+          </a:xfrm>
+          <a:prstGeom prst="rect">
+            <a:avLst/>
+          </a:prstGeom>
+          <a:noFill/>
+          <a:ln w="0">
+            <a:noFill/>
+          </a:ln>
+        </p:spPr>
+        <p:txBody>
+          <a:bodyPr lIns="0" rIns="0" tIns="0" bIns="0" anchor="t">
+            <a:normAutofit/>
+          </a:bodyPr>
+          <a:p>
+            <a:endParaRPr b="0" lang="de-DE" sz="2400" spc="-1" strike="noStrike">
+              <a:latin typeface="Arial"/>
+            </a:endParaRPr>
+          </a:p>
+        </p:txBody>
+      </p:sp>
+      <p:sp>
+        <p:nvSpPr>
+          <p:cNvPr id="84" name="PlaceHolder 3"/>
+          <p:cNvSpPr>
+            <a:spLocks noGrp="1"/>
+          </p:cNvSpPr>
+          <p:nvPr>
+            <p:ph/>
+          </p:nvPr>
+        </p:nvSpPr>
+        <p:spPr>
+          <a:xfrm>
+            <a:off x="3161880" y="1440000"/>
+            <a:ext cx="2839680" cy="1459440"/>
+          </a:xfrm>
+          <a:prstGeom prst="rect">
+            <a:avLst/>
+          </a:prstGeom>
+          <a:noFill/>
+          <a:ln w="0">
+            <a:noFill/>
+          </a:ln>
+        </p:spPr>
+        <p:txBody>
+          <a:bodyPr lIns="0" rIns="0" tIns="0" bIns="0" anchor="t">
+            <a:normAutofit/>
+          </a:bodyPr>
+          <a:p>
+            <a:endParaRPr b="0" lang="de-DE" sz="2400" spc="-1" strike="noStrike">
+              <a:latin typeface="Arial"/>
+            </a:endParaRPr>
+          </a:p>
+        </p:txBody>
+      </p:sp>
+      <p:sp>
+        <p:nvSpPr>
+          <p:cNvPr id="85" name="PlaceHolder 4"/>
+          <p:cNvSpPr>
+            <a:spLocks noGrp="1"/>
+          </p:cNvSpPr>
+          <p:nvPr>
+            <p:ph/>
+          </p:nvPr>
+        </p:nvSpPr>
+        <p:spPr>
+          <a:xfrm>
+            <a:off x="6144120" y="1440000"/>
+            <a:ext cx="2839680" cy="1459440"/>
+          </a:xfrm>
+          <a:prstGeom prst="rect">
+            <a:avLst/>
+          </a:prstGeom>
+          <a:noFill/>
+          <a:ln w="0">
+            <a:noFill/>
+          </a:ln>
+        </p:spPr>
+        <p:txBody>
+          <a:bodyPr lIns="0" rIns="0" tIns="0" bIns="0" anchor="t">
+            <a:normAutofit/>
+          </a:bodyPr>
+          <a:p>
+            <a:endParaRPr b="0" lang="de-DE" sz="2400" spc="-1" strike="noStrike">
+              <a:latin typeface="Arial"/>
+            </a:endParaRPr>
+          </a:p>
+        </p:txBody>
+      </p:sp>
+      <p:sp>
+        <p:nvSpPr>
+          <p:cNvPr id="86" name="PlaceHolder 5"/>
+          <p:cNvSpPr>
+            <a:spLocks noGrp="1"/>
+          </p:cNvSpPr>
+          <p:nvPr>
+            <p:ph/>
+          </p:nvPr>
+        </p:nvSpPr>
+        <p:spPr>
+          <a:xfrm>
+            <a:off x="180000" y="3038400"/>
+            <a:ext cx="2839680" cy="1459440"/>
+          </a:xfrm>
+          <a:prstGeom prst="rect">
+            <a:avLst/>
+          </a:prstGeom>
+          <a:noFill/>
+          <a:ln w="0">
+            <a:noFill/>
+          </a:ln>
+        </p:spPr>
+        <p:txBody>
+          <a:bodyPr lIns="0" rIns="0" tIns="0" bIns="0" anchor="t">
+            <a:normAutofit/>
+          </a:bodyPr>
+          <a:p>
+            <a:endParaRPr b="0" lang="de-DE" sz="2400" spc="-1" strike="noStrike">
+              <a:latin typeface="Arial"/>
+            </a:endParaRPr>
+          </a:p>
+        </p:txBody>
+      </p:sp>
+      <p:sp>
+        <p:nvSpPr>
+          <p:cNvPr id="87" name="PlaceHolder 6"/>
+          <p:cNvSpPr>
+            <a:spLocks noGrp="1"/>
+          </p:cNvSpPr>
+          <p:nvPr>
+            <p:ph/>
+          </p:nvPr>
+        </p:nvSpPr>
+        <p:spPr>
+          <a:xfrm>
+            <a:off x="3161880" y="3038400"/>
+            <a:ext cx="2839680" cy="1459440"/>
+          </a:xfrm>
+          <a:prstGeom prst="rect">
+            <a:avLst/>
+          </a:prstGeom>
+          <a:noFill/>
+          <a:ln w="0">
+            <a:noFill/>
+          </a:ln>
+        </p:spPr>
+        <p:txBody>
+          <a:bodyPr lIns="0" rIns="0" tIns="0" bIns="0" anchor="t">
+            <a:normAutofit/>
+          </a:bodyPr>
+          <a:p>
+            <a:endParaRPr b="0" lang="de-DE" sz="2400" spc="-1" strike="noStrike">
+              <a:latin typeface="Arial"/>
+            </a:endParaRPr>
+          </a:p>
+        </p:txBody>
+      </p:sp>
+      <p:sp>
+        <p:nvSpPr>
+          <p:cNvPr id="88" name="PlaceHolder 7"/>
+          <p:cNvSpPr>
+            <a:spLocks noGrp="1"/>
+          </p:cNvSpPr>
+          <p:nvPr>
+            <p:ph/>
+          </p:nvPr>
+        </p:nvSpPr>
+        <p:spPr>
+          <a:xfrm>
+            <a:off x="6144120" y="3038400"/>
+            <a:ext cx="2839680" cy="1459440"/>
+          </a:xfrm>
+          <a:prstGeom prst="rect">
+            <a:avLst/>
+          </a:prstGeom>
+          <a:noFill/>
+          <a:ln w="0">
+            <a:noFill/>
+          </a:ln>
+        </p:spPr>
+        <p:txBody>
+          <a:bodyPr lIns="0" rIns="0" tIns="0" bIns="0" anchor="t">
+            <a:normAutofit/>
+          </a:bodyPr>
+          <a:p>
+            <a:endParaRPr b="0" lang="de-DE" sz="2400" spc="-1" strike="noStrike">
+              <a:latin typeface="Arial"/>
+            </a:endParaRPr>
+          </a:p>
+        </p:txBody>
+      </p:sp>
+      <p:sp>
+        <p:nvSpPr>
+          <p:cNvPr id="9" name="PlaceHolder 8"/>
+          <p:cNvSpPr>
+            <a:spLocks noGrp="1"/>
+          </p:cNvSpPr>
+          <p:nvPr>
+            <p:ph type="ftr" idx="2"/>
           </p:nvPr>
         </p:nvSpPr>
         <p:spPr/>
@@ -871,7 +2572,7 @@
       </p:grpSpPr>
       <p:sp>
         <p:nvSpPr>
-          <p:cNvPr id="12" name="PlaceHolder 1"/>
+          <p:cNvPr id="10" name="PlaceHolder 1"/>
           <p:cNvSpPr>
             <a:spLocks noGrp="1"/>
           </p:cNvSpPr>
@@ -881,8 +2582,8 @@
         </p:nvSpPr>
         <p:spPr>
           <a:xfrm>
-            <a:off x="540000" y="1260000"/>
-            <a:ext cx="7920000" cy="1440000"/>
+            <a:off x="180000" y="545760"/>
+            <a:ext cx="8820000" cy="534240"/>
           </a:xfrm>
           <a:prstGeom prst="rect">
             <a:avLst/>
@@ -897,18 +2598,16 @@
             <a:noAutofit/>
           </a:bodyPr>
           <a:p>
-            <a:endParaRPr b="0" lang="de-DE" sz="2000" spc="-1" strike="noStrike">
-              <a:solidFill>
-                <a:srgbClr val="000000"/>
-              </a:solidFill>
-              <a:latin typeface="Arial"/>
-            </a:endParaRPr>
-          </a:p>
-        </p:txBody>
-      </p:sp>
-      <p:sp>
-        <p:nvSpPr>
-          <p:cNvPr id="13" name="PlaceHolder 2"/>
+            <a:endParaRPr b="0" lang="de-DE" sz="3200" spc="-1" strike="noStrike" u="sng">
+              <a:uFillTx/>
+              <a:latin typeface="Arial"/>
+            </a:endParaRPr>
+          </a:p>
+        </p:txBody>
+      </p:sp>
+      <p:sp>
+        <p:nvSpPr>
+          <p:cNvPr id="11" name="PlaceHolder 2"/>
           <p:cNvSpPr>
             <a:spLocks noGrp="1"/>
           </p:cNvSpPr>
@@ -918,8 +2617,8 @@
         </p:nvSpPr>
         <p:spPr>
           <a:xfrm>
-            <a:off x="431640" y="2160000"/>
-            <a:ext cx="8229240" cy="3977280"/>
+            <a:off x="180000" y="1440000"/>
+            <a:ext cx="8820000" cy="3060000"/>
           </a:xfrm>
           <a:prstGeom prst="rect">
             <a:avLst/>
@@ -934,10 +2633,7 @@
             <a:normAutofit/>
           </a:bodyPr>
           <a:p>
-            <a:endParaRPr b="0" lang="de-DE" sz="2000" spc="-1" strike="noStrike">
-              <a:solidFill>
-                <a:srgbClr val="000000"/>
-              </a:solidFill>
+            <a:endParaRPr b="0" lang="de-DE" sz="2400" spc="-1" strike="noStrike">
               <a:latin typeface="Arial"/>
             </a:endParaRPr>
           </a:p>
@@ -987,7 +2683,7 @@
       </p:grpSpPr>
       <p:sp>
         <p:nvSpPr>
-          <p:cNvPr id="14" name="PlaceHolder 1"/>
+          <p:cNvPr id="12" name="PlaceHolder 1"/>
           <p:cNvSpPr>
             <a:spLocks noGrp="1"/>
           </p:cNvSpPr>
@@ -997,8 +2693,8 @@
         </p:nvSpPr>
         <p:spPr>
           <a:xfrm>
-            <a:off x="540000" y="1260000"/>
-            <a:ext cx="7920000" cy="1440000"/>
+            <a:off x="180000" y="545760"/>
+            <a:ext cx="8820000" cy="534240"/>
           </a:xfrm>
           <a:prstGeom prst="rect">
             <a:avLst/>
@@ -1013,18 +2709,16 @@
             <a:noAutofit/>
           </a:bodyPr>
           <a:p>
-            <a:endParaRPr b="0" lang="de-DE" sz="2000" spc="-1" strike="noStrike">
-              <a:solidFill>
-                <a:srgbClr val="000000"/>
-              </a:solidFill>
-              <a:latin typeface="Arial"/>
-            </a:endParaRPr>
-          </a:p>
-        </p:txBody>
-      </p:sp>
-      <p:sp>
-        <p:nvSpPr>
-          <p:cNvPr id="15" name="PlaceHolder 2"/>
+            <a:endParaRPr b="0" lang="de-DE" sz="3200" spc="-1" strike="noStrike" u="sng">
+              <a:uFillTx/>
+              <a:latin typeface="Arial"/>
+            </a:endParaRPr>
+          </a:p>
+        </p:txBody>
+      </p:sp>
+      <p:sp>
+        <p:nvSpPr>
+          <p:cNvPr id="13" name="PlaceHolder 2"/>
           <p:cNvSpPr>
             <a:spLocks noGrp="1"/>
           </p:cNvSpPr>
@@ -1034,8 +2728,8 @@
         </p:nvSpPr>
         <p:spPr>
           <a:xfrm>
-            <a:off x="431640" y="2160000"/>
-            <a:ext cx="4015800" cy="3977280"/>
+            <a:off x="180000" y="1440000"/>
+            <a:ext cx="4303800" cy="3060000"/>
           </a:xfrm>
           <a:prstGeom prst="rect">
             <a:avLst/>
@@ -1050,18 +2744,15 @@
             <a:normAutofit/>
           </a:bodyPr>
           <a:p>
-            <a:endParaRPr b="0" lang="de-DE" sz="2000" spc="-1" strike="noStrike">
-              <a:solidFill>
-                <a:srgbClr val="000000"/>
-              </a:solidFill>
-              <a:latin typeface="Arial"/>
-            </a:endParaRPr>
-          </a:p>
-        </p:txBody>
-      </p:sp>
-      <p:sp>
-        <p:nvSpPr>
-          <p:cNvPr id="16" name="PlaceHolder 3"/>
+            <a:endParaRPr b="0" lang="de-DE" sz="2400" spc="-1" strike="noStrike">
+              <a:latin typeface="Arial"/>
+            </a:endParaRPr>
+          </a:p>
+        </p:txBody>
+      </p:sp>
+      <p:sp>
+        <p:nvSpPr>
+          <p:cNvPr id="14" name="PlaceHolder 3"/>
           <p:cNvSpPr>
             <a:spLocks noGrp="1"/>
           </p:cNvSpPr>
@@ -1071,8 +2762,8 @@
         </p:nvSpPr>
         <p:spPr>
           <a:xfrm>
-            <a:off x="4648680" y="2160000"/>
-            <a:ext cx="4015800" cy="3977280"/>
+            <a:off x="4699440" y="1440000"/>
+            <a:ext cx="4303800" cy="3060000"/>
           </a:xfrm>
           <a:prstGeom prst="rect">
             <a:avLst/>
@@ -1087,10 +2778,7 @@
             <a:normAutofit/>
           </a:bodyPr>
           <a:p>
-            <a:endParaRPr b="0" lang="de-DE" sz="2000" spc="-1" strike="noStrike">
-              <a:solidFill>
-                <a:srgbClr val="000000"/>
-              </a:solidFill>
+            <a:endParaRPr b="0" lang="de-DE" sz="2400" spc="-1" strike="noStrike">
               <a:latin typeface="Arial"/>
             </a:endParaRPr>
           </a:p>
@@ -1140,7 +2828,7 @@
       </p:grpSpPr>
       <p:sp>
         <p:nvSpPr>
-          <p:cNvPr id="17" name="PlaceHolder 1"/>
+          <p:cNvPr id="15" name="PlaceHolder 1"/>
           <p:cNvSpPr>
             <a:spLocks noGrp="1"/>
           </p:cNvSpPr>
@@ -1150,8 +2838,8 @@
         </p:nvSpPr>
         <p:spPr>
           <a:xfrm>
-            <a:off x="540000" y="1260000"/>
-            <a:ext cx="7920000" cy="1440000"/>
+            <a:off x="180000" y="545760"/>
+            <a:ext cx="8820000" cy="534240"/>
           </a:xfrm>
           <a:prstGeom prst="rect">
             <a:avLst/>
@@ -1166,10 +2854,8 @@
             <a:noAutofit/>
           </a:bodyPr>
           <a:p>
-            <a:endParaRPr b="0" lang="de-DE" sz="2000" spc="-1" strike="noStrike">
-              <a:solidFill>
-                <a:srgbClr val="000000"/>
-              </a:solidFill>
+            <a:endParaRPr b="0" lang="de-DE" sz="3200" spc="-1" strike="noStrike" u="sng">
+              <a:uFillTx/>
               <a:latin typeface="Arial"/>
             </a:endParaRPr>
           </a:p>
@@ -1219,7 +2905,7 @@
       </p:grpSpPr>
       <p:sp>
         <p:nvSpPr>
-          <p:cNvPr id="18" name="PlaceHolder 1"/>
+          <p:cNvPr id="16" name="PlaceHolder 1"/>
           <p:cNvSpPr>
             <a:spLocks noGrp="1"/>
           </p:cNvSpPr>
@@ -1229,8 +2915,8 @@
         </p:nvSpPr>
         <p:spPr>
           <a:xfrm>
-            <a:off x="540000" y="1260000"/>
-            <a:ext cx="7920000" cy="6676200"/>
+            <a:off x="180000" y="545760"/>
+            <a:ext cx="8820000" cy="2477880"/>
           </a:xfrm>
           <a:prstGeom prst="rect">
             <a:avLst/>
@@ -1298,7 +2984,7 @@
       </p:grpSpPr>
       <p:sp>
         <p:nvSpPr>
-          <p:cNvPr id="19" name="PlaceHolder 1"/>
+          <p:cNvPr id="17" name="PlaceHolder 1"/>
           <p:cNvSpPr>
             <a:spLocks noGrp="1"/>
           </p:cNvSpPr>
@@ -1308,8 +2994,8 @@
         </p:nvSpPr>
         <p:spPr>
           <a:xfrm>
-            <a:off x="540000" y="1260000"/>
-            <a:ext cx="7920000" cy="1440000"/>
+            <a:off x="180000" y="545760"/>
+            <a:ext cx="8820000" cy="534240"/>
           </a:xfrm>
           <a:prstGeom prst="rect">
             <a:avLst/>
@@ -1324,18 +3010,16 @@
             <a:noAutofit/>
           </a:bodyPr>
           <a:p>
-            <a:endParaRPr b="0" lang="de-DE" sz="2000" spc="-1" strike="noStrike">
-              <a:solidFill>
-                <a:srgbClr val="000000"/>
-              </a:solidFill>
-              <a:latin typeface="Arial"/>
-            </a:endParaRPr>
-          </a:p>
-        </p:txBody>
-      </p:sp>
-      <p:sp>
-        <p:nvSpPr>
-          <p:cNvPr id="20" name="PlaceHolder 2"/>
+            <a:endParaRPr b="0" lang="de-DE" sz="3200" spc="-1" strike="noStrike" u="sng">
+              <a:uFillTx/>
+              <a:latin typeface="Arial"/>
+            </a:endParaRPr>
+          </a:p>
+        </p:txBody>
+      </p:sp>
+      <p:sp>
+        <p:nvSpPr>
+          <p:cNvPr id="18" name="PlaceHolder 2"/>
           <p:cNvSpPr>
             <a:spLocks noGrp="1"/>
           </p:cNvSpPr>
@@ -1345,8 +3029,8 @@
         </p:nvSpPr>
         <p:spPr>
           <a:xfrm>
-            <a:off x="431640" y="2160000"/>
-            <a:ext cx="4015800" cy="1896840"/>
+            <a:off x="180000" y="1440000"/>
+            <a:ext cx="4303800" cy="1459440"/>
           </a:xfrm>
           <a:prstGeom prst="rect">
             <a:avLst/>
@@ -1361,18 +3045,15 @@
             <a:normAutofit/>
           </a:bodyPr>
           <a:p>
-            <a:endParaRPr b="0" lang="de-DE" sz="2000" spc="-1" strike="noStrike">
-              <a:solidFill>
-                <a:srgbClr val="000000"/>
-              </a:solidFill>
-              <a:latin typeface="Arial"/>
-            </a:endParaRPr>
-          </a:p>
-        </p:txBody>
-      </p:sp>
-      <p:sp>
-        <p:nvSpPr>
-          <p:cNvPr id="21" name="PlaceHolder 3"/>
+            <a:endParaRPr b="0" lang="de-DE" sz="2400" spc="-1" strike="noStrike">
+              <a:latin typeface="Arial"/>
+            </a:endParaRPr>
+          </a:p>
+        </p:txBody>
+      </p:sp>
+      <p:sp>
+        <p:nvSpPr>
+          <p:cNvPr id="19" name="PlaceHolder 3"/>
           <p:cNvSpPr>
             <a:spLocks noGrp="1"/>
           </p:cNvSpPr>
@@ -1382,8 +3063,8 @@
         </p:nvSpPr>
         <p:spPr>
           <a:xfrm>
-            <a:off x="4648680" y="2160000"/>
-            <a:ext cx="4015800" cy="3977280"/>
+            <a:off x="4699440" y="1440000"/>
+            <a:ext cx="4303800" cy="3060000"/>
           </a:xfrm>
           <a:prstGeom prst="rect">
             <a:avLst/>
@@ -1398,18 +3079,15 @@
             <a:normAutofit/>
           </a:bodyPr>
           <a:p>
-            <a:endParaRPr b="0" lang="de-DE" sz="2000" spc="-1" strike="noStrike">
-              <a:solidFill>
-                <a:srgbClr val="000000"/>
-              </a:solidFill>
-              <a:latin typeface="Arial"/>
-            </a:endParaRPr>
-          </a:p>
-        </p:txBody>
-      </p:sp>
-      <p:sp>
-        <p:nvSpPr>
-          <p:cNvPr id="22" name="PlaceHolder 4"/>
+            <a:endParaRPr b="0" lang="de-DE" sz="2400" spc="-1" strike="noStrike">
+              <a:latin typeface="Arial"/>
+            </a:endParaRPr>
+          </a:p>
+        </p:txBody>
+      </p:sp>
+      <p:sp>
+        <p:nvSpPr>
+          <p:cNvPr id="20" name="PlaceHolder 4"/>
           <p:cNvSpPr>
             <a:spLocks noGrp="1"/>
           </p:cNvSpPr>
@@ -1419,8 +3097,8 @@
         </p:nvSpPr>
         <p:spPr>
           <a:xfrm>
-            <a:off x="431640" y="4237560"/>
-            <a:ext cx="4015800" cy="1896840"/>
+            <a:off x="180000" y="3038400"/>
+            <a:ext cx="4303800" cy="1459440"/>
           </a:xfrm>
           <a:prstGeom prst="rect">
             <a:avLst/>
@@ -1435,10 +3113,7 @@
             <a:normAutofit/>
           </a:bodyPr>
           <a:p>
-            <a:endParaRPr b="0" lang="de-DE" sz="2000" spc="-1" strike="noStrike">
-              <a:solidFill>
-                <a:srgbClr val="000000"/>
-              </a:solidFill>
+            <a:endParaRPr b="0" lang="de-DE" sz="2400" spc="-1" strike="noStrike">
               <a:latin typeface="Arial"/>
             </a:endParaRPr>
           </a:p>
@@ -1488,7 +3163,7 @@
       </p:grpSpPr>
       <p:sp>
         <p:nvSpPr>
-          <p:cNvPr id="23" name="PlaceHolder 1"/>
+          <p:cNvPr id="21" name="PlaceHolder 1"/>
           <p:cNvSpPr>
             <a:spLocks noGrp="1"/>
           </p:cNvSpPr>
@@ -1498,8 +3173,8 @@
         </p:nvSpPr>
         <p:spPr>
           <a:xfrm>
-            <a:off x="540000" y="1260000"/>
-            <a:ext cx="7920000" cy="1440000"/>
+            <a:off x="180000" y="545760"/>
+            <a:ext cx="8820000" cy="534240"/>
           </a:xfrm>
           <a:prstGeom prst="rect">
             <a:avLst/>
@@ -1514,18 +3189,16 @@
             <a:noAutofit/>
           </a:bodyPr>
           <a:p>
-            <a:endParaRPr b="0" lang="de-DE" sz="2000" spc="-1" strike="noStrike">
-              <a:solidFill>
-                <a:srgbClr val="000000"/>
-              </a:solidFill>
-              <a:latin typeface="Arial"/>
-            </a:endParaRPr>
-          </a:p>
-        </p:txBody>
-      </p:sp>
-      <p:sp>
-        <p:nvSpPr>
-          <p:cNvPr id="24" name="PlaceHolder 2"/>
+            <a:endParaRPr b="0" lang="de-DE" sz="3200" spc="-1" strike="noStrike" u="sng">
+              <a:uFillTx/>
+              <a:latin typeface="Arial"/>
+            </a:endParaRPr>
+          </a:p>
+        </p:txBody>
+      </p:sp>
+      <p:sp>
+        <p:nvSpPr>
+          <p:cNvPr id="22" name="PlaceHolder 2"/>
           <p:cNvSpPr>
             <a:spLocks noGrp="1"/>
           </p:cNvSpPr>
@@ -1535,8 +3208,8 @@
         </p:nvSpPr>
         <p:spPr>
           <a:xfrm>
-            <a:off x="431640" y="2160000"/>
-            <a:ext cx="4015800" cy="3977280"/>
+            <a:off x="180000" y="1440000"/>
+            <a:ext cx="4303800" cy="3060000"/>
           </a:xfrm>
           <a:prstGeom prst="rect">
             <a:avLst/>
@@ -1551,18 +3224,15 @@
             <a:normAutofit/>
           </a:bodyPr>
           <a:p>
-            <a:endParaRPr b="0" lang="de-DE" sz="2000" spc="-1" strike="noStrike">
-              <a:solidFill>
-                <a:srgbClr val="000000"/>
-              </a:solidFill>
-              <a:latin typeface="Arial"/>
-            </a:endParaRPr>
-          </a:p>
-        </p:txBody>
-      </p:sp>
-      <p:sp>
-        <p:nvSpPr>
-          <p:cNvPr id="25" name="PlaceHolder 3"/>
+            <a:endParaRPr b="0" lang="de-DE" sz="2400" spc="-1" strike="noStrike">
+              <a:latin typeface="Arial"/>
+            </a:endParaRPr>
+          </a:p>
+        </p:txBody>
+      </p:sp>
+      <p:sp>
+        <p:nvSpPr>
+          <p:cNvPr id="23" name="PlaceHolder 3"/>
           <p:cNvSpPr>
             <a:spLocks noGrp="1"/>
           </p:cNvSpPr>
@@ -1572,8 +3242,8 @@
         </p:nvSpPr>
         <p:spPr>
           <a:xfrm>
-            <a:off x="4648680" y="2160000"/>
-            <a:ext cx="4015800" cy="1896840"/>
+            <a:off x="4699440" y="1440000"/>
+            <a:ext cx="4303800" cy="1459440"/>
           </a:xfrm>
           <a:prstGeom prst="rect">
             <a:avLst/>
@@ -1588,18 +3258,15 @@
             <a:normAutofit/>
           </a:bodyPr>
           <a:p>
-            <a:endParaRPr b="0" lang="de-DE" sz="2000" spc="-1" strike="noStrike">
-              <a:solidFill>
-                <a:srgbClr val="000000"/>
-              </a:solidFill>
-              <a:latin typeface="Arial"/>
-            </a:endParaRPr>
-          </a:p>
-        </p:txBody>
-      </p:sp>
-      <p:sp>
-        <p:nvSpPr>
-          <p:cNvPr id="26" name="PlaceHolder 4"/>
+            <a:endParaRPr b="0" lang="de-DE" sz="2400" spc="-1" strike="noStrike">
+              <a:latin typeface="Arial"/>
+            </a:endParaRPr>
+          </a:p>
+        </p:txBody>
+      </p:sp>
+      <p:sp>
+        <p:nvSpPr>
+          <p:cNvPr id="24" name="PlaceHolder 4"/>
           <p:cNvSpPr>
             <a:spLocks noGrp="1"/>
           </p:cNvSpPr>
@@ -1609,8 +3276,8 @@
         </p:nvSpPr>
         <p:spPr>
           <a:xfrm>
-            <a:off x="4648680" y="4237560"/>
-            <a:ext cx="4015800" cy="1896840"/>
+            <a:off x="4699440" y="3038400"/>
+            <a:ext cx="4303800" cy="1459440"/>
           </a:xfrm>
           <a:prstGeom prst="rect">
             <a:avLst/>
@@ -1625,10 +3292,7 @@
             <a:normAutofit/>
           </a:bodyPr>
           <a:p>
-            <a:endParaRPr b="0" lang="de-DE" sz="2000" spc="-1" strike="noStrike">
-              <a:solidFill>
-                <a:srgbClr val="000000"/>
-              </a:solidFill>
+            <a:endParaRPr b="0" lang="de-DE" sz="2400" spc="-1" strike="noStrike">
               <a:latin typeface="Arial"/>
             </a:endParaRPr>
           </a:p>
@@ -1678,7 +3342,7 @@
       </p:grpSpPr>
       <p:sp>
         <p:nvSpPr>
-          <p:cNvPr id="27" name="PlaceHolder 1"/>
+          <p:cNvPr id="25" name="PlaceHolder 1"/>
           <p:cNvSpPr>
             <a:spLocks noGrp="1"/>
           </p:cNvSpPr>
@@ -1688,8 +3352,8 @@
         </p:nvSpPr>
         <p:spPr>
           <a:xfrm>
-            <a:off x="540000" y="1260000"/>
-            <a:ext cx="7920000" cy="1440000"/>
+            <a:off x="180000" y="545760"/>
+            <a:ext cx="8820000" cy="534240"/>
           </a:xfrm>
           <a:prstGeom prst="rect">
             <a:avLst/>
@@ -1704,18 +3368,16 @@
             <a:noAutofit/>
           </a:bodyPr>
           <a:p>
-            <a:endParaRPr b="0" lang="de-DE" sz="2000" spc="-1" strike="noStrike">
-              <a:solidFill>
-                <a:srgbClr val="000000"/>
-              </a:solidFill>
-              <a:latin typeface="Arial"/>
-            </a:endParaRPr>
-          </a:p>
-        </p:txBody>
-      </p:sp>
-      <p:sp>
-        <p:nvSpPr>
-          <p:cNvPr id="28" name="PlaceHolder 2"/>
+            <a:endParaRPr b="0" lang="de-DE" sz="3200" spc="-1" strike="noStrike" u="sng">
+              <a:uFillTx/>
+              <a:latin typeface="Arial"/>
+            </a:endParaRPr>
+          </a:p>
+        </p:txBody>
+      </p:sp>
+      <p:sp>
+        <p:nvSpPr>
+          <p:cNvPr id="26" name="PlaceHolder 2"/>
           <p:cNvSpPr>
             <a:spLocks noGrp="1"/>
           </p:cNvSpPr>
@@ -1725,8 +3387,8 @@
         </p:nvSpPr>
         <p:spPr>
           <a:xfrm>
-            <a:off x="431640" y="2160000"/>
-            <a:ext cx="4015800" cy="1896840"/>
+            <a:off x="180000" y="1440000"/>
+            <a:ext cx="4303800" cy="1459440"/>
           </a:xfrm>
           <a:prstGeom prst="rect">
             <a:avLst/>
@@ -1741,18 +3403,15 @@
             <a:normAutofit/>
           </a:bodyPr>
           <a:p>
-            <a:endParaRPr b="0" lang="de-DE" sz="2000" spc="-1" strike="noStrike">
-              <a:solidFill>
-                <a:srgbClr val="000000"/>
-              </a:solidFill>
-              <a:latin typeface="Arial"/>
-            </a:endParaRPr>
-          </a:p>
-        </p:txBody>
-      </p:sp>
-      <p:sp>
-        <p:nvSpPr>
-          <p:cNvPr id="29" name="PlaceHolder 3"/>
+            <a:endParaRPr b="0" lang="de-DE" sz="2400" spc="-1" strike="noStrike">
+              <a:latin typeface="Arial"/>
+            </a:endParaRPr>
+          </a:p>
+        </p:txBody>
+      </p:sp>
+      <p:sp>
+        <p:nvSpPr>
+          <p:cNvPr id="27" name="PlaceHolder 3"/>
           <p:cNvSpPr>
             <a:spLocks noGrp="1"/>
           </p:cNvSpPr>
@@ -1762,8 +3421,8 @@
         </p:nvSpPr>
         <p:spPr>
           <a:xfrm>
-            <a:off x="4648680" y="2160000"/>
-            <a:ext cx="4015800" cy="1896840"/>
+            <a:off x="4699440" y="1440000"/>
+            <a:ext cx="4303800" cy="1459440"/>
           </a:xfrm>
           <a:prstGeom prst="rect">
             <a:avLst/>
@@ -1778,18 +3437,15 @@
             <a:normAutofit/>
           </a:bodyPr>
           <a:p>
-            <a:endParaRPr b="0" lang="de-DE" sz="2000" spc="-1" strike="noStrike">
-              <a:solidFill>
-                <a:srgbClr val="000000"/>
-              </a:solidFill>
-              <a:latin typeface="Arial"/>
-            </a:endParaRPr>
-          </a:p>
-        </p:txBody>
-      </p:sp>
-      <p:sp>
-        <p:nvSpPr>
-          <p:cNvPr id="30" name="PlaceHolder 4"/>
+            <a:endParaRPr b="0" lang="de-DE" sz="2400" spc="-1" strike="noStrike">
+              <a:latin typeface="Arial"/>
+            </a:endParaRPr>
+          </a:p>
+        </p:txBody>
+      </p:sp>
+      <p:sp>
+        <p:nvSpPr>
+          <p:cNvPr id="28" name="PlaceHolder 4"/>
           <p:cNvSpPr>
             <a:spLocks noGrp="1"/>
           </p:cNvSpPr>
@@ -1799,8 +3455,8 @@
         </p:nvSpPr>
         <p:spPr>
           <a:xfrm>
-            <a:off x="431640" y="4237560"/>
-            <a:ext cx="8229240" cy="1896840"/>
+            <a:off x="180000" y="3038400"/>
+            <a:ext cx="8820000" cy="1459440"/>
           </a:xfrm>
           <a:prstGeom prst="rect">
             <a:avLst/>
@@ -1815,10 +3471,7 @@
             <a:normAutofit/>
           </a:bodyPr>
           <a:p>
-            <a:endParaRPr b="0" lang="de-DE" sz="2000" spc="-1" strike="noStrike">
-              <a:solidFill>
-                <a:srgbClr val="000000"/>
-              </a:solidFill>
+            <a:endParaRPr b="0" lang="de-DE" sz="2400" spc="-1" strike="noStrike">
               <a:latin typeface="Arial"/>
             </a:endParaRPr>
           </a:p>
@@ -1881,8 +3534,8 @@
         </p:nvSpPr>
         <p:spPr>
           <a:xfrm>
-            <a:off x="6228000" y="479520"/>
-            <a:ext cx="1839240" cy="226800"/>
+            <a:off x="6228000" y="359640"/>
+            <a:ext cx="1838880" cy="226800"/>
           </a:xfrm>
           <a:prstGeom prst="rect">
             <a:avLst/>
@@ -1933,7 +3586,7 @@
         </p:nvSpPr>
         <p:spPr>
           <a:xfrm>
-            <a:off x="0" y="6324480"/>
+            <a:off x="0" y="4743360"/>
             <a:ext cx="9144000" cy="360"/>
           </a:xfrm>
           <a:prstGeom prst="line">
@@ -1961,7 +3614,7 @@
         </p:nvSpPr>
         <p:spPr>
           <a:xfrm>
-            <a:off x="0" y="685800"/>
+            <a:off x="0" y="514440"/>
             <a:ext cx="9144000" cy="360"/>
           </a:xfrm>
           <a:prstGeom prst="line">
@@ -1981,39 +3634,16 @@
           <a:fontRef idx="minor"/>
         </p:style>
       </p:sp>
-      <p:pic>
-        <p:nvPicPr>
-          <p:cNvPr id="3" name="Bild 1" descr="LS_Medientechnik_OS_Blau_RGB.wmf"/>
-          <p:cNvPicPr/>
-          <p:nvPr/>
-        </p:nvPicPr>
-        <p:blipFill>
-          <a:blip r:embed="rId2"/>
-          <a:stretch/>
-        </p:blipFill>
-        <p:spPr>
-          <a:xfrm>
-            <a:off x="502560" y="286560"/>
-            <a:ext cx="362520" cy="362520"/>
-          </a:xfrm>
-          <a:prstGeom prst="rect">
-            <a:avLst/>
-          </a:prstGeom>
-          <a:ln w="0">
-            <a:noFill/>
-          </a:ln>
-        </p:spPr>
-      </p:pic>
-      <p:sp>
-        <p:nvSpPr>
-          <p:cNvPr id="4" name="Text Box 18" hidden="1"/>
+      <p:sp>
+        <p:nvSpPr>
+          <p:cNvPr id="3" name="Text Box 18" hidden="1"/>
           <p:cNvSpPr/>
           <p:nvPr/>
         </p:nvSpPr>
         <p:spPr>
           <a:xfrm>
-            <a:off x="871560" y="335880"/>
-            <a:ext cx="1893960" cy="363960"/>
+            <a:off x="871560" y="252000"/>
+            <a:ext cx="1893600" cy="363960"/>
           </a:xfrm>
           <a:prstGeom prst="rect">
             <a:avLst/>
@@ -2079,18 +3709,18 @@
       </p:sp>
       <p:pic>
         <p:nvPicPr>
-          <p:cNvPr id="5" name="Picture 29" descr="U:\Logos und Grafiken\TUMLogo_oZ_Vollfl_blau_RGB.png"/>
+          <p:cNvPr id="4" name="Picture 29" descr="U:\Logos und Grafiken\TUMLogo_oZ_Vollfl_blau_RGB.png"/>
           <p:cNvPicPr/>
           <p:nvPr/>
         </p:nvPicPr>
         <p:blipFill>
-          <a:blip r:embed="rId3"/>
+          <a:blip r:embed="rId2"/>
           <a:stretch/>
         </p:blipFill>
         <p:spPr>
           <a:xfrm>
-            <a:off x="8039880" y="325440"/>
-            <a:ext cx="604080" cy="318600"/>
+            <a:off x="8280000" y="180000"/>
+            <a:ext cx="603720" cy="238680"/>
           </a:xfrm>
           <a:prstGeom prst="rect">
             <a:avLst/>
@@ -2102,7 +3732,7 @@
       </p:pic>
       <p:sp>
         <p:nvSpPr>
-          <p:cNvPr id="6" name="PlaceHolder 1"/>
+          <p:cNvPr id="5" name="PlaceHolder 1"/>
           <p:cNvSpPr>
             <a:spLocks noGrp="1"/>
           </p:cNvSpPr>
@@ -2112,21 +3742,78 @@
         </p:nvSpPr>
         <p:spPr>
           <a:xfrm>
-            <a:off x="540000" y="1260000"/>
-            <a:ext cx="7920000" cy="1440000"/>
-          </a:xfrm>
-          <a:prstGeom prst="rect">
-            <a:avLst/>
-          </a:prstGeom>
-          <a:noFill/>
-          <a:ln w="0">
-            <a:noFill/>
-          </a:ln>
-        </p:spPr>
-        <p:txBody>
-          <a:bodyPr numCol="1" spcCol="0" anchor="t">
+            <a:off x="540000" y="945000"/>
+            <a:ext cx="8100000" cy="855000"/>
+          </a:xfrm>
+          <a:prstGeom prst="rect">
+            <a:avLst/>
+          </a:prstGeom>
+          <a:noFill/>
+          <a:ln w="0">
+            <a:noFill/>
+          </a:ln>
+        </p:spPr>
+        <p:txBody>
+          <a:bodyPr numCol="1" spcCol="0" lIns="0" rIns="0" tIns="0" bIns="0" anchor="ctr">
             <a:noAutofit/>
           </a:bodyPr>
+          <a:p>
+            <a:r>
+              <a:rPr b="0" lang="de-DE" sz="1800" spc="-1" strike="noStrike">
+                <a:solidFill>
+                  <a:srgbClr val="005293"/>
+                </a:solidFill>
+                <a:latin typeface="Arial"/>
+              </a:rPr>
+              <a:t>Format des Titeltextes durch Klicken bearbeiten</a:t>
+            </a:r>
+            <a:endParaRPr b="0" lang="de-DE" sz="1800" spc="-1" strike="noStrike">
+              <a:solidFill>
+                <a:srgbClr val="005293"/>
+              </a:solidFill>
+              <a:latin typeface="Arial"/>
+            </a:endParaRPr>
+          </a:p>
+        </p:txBody>
+      </p:sp>
+      <p:sp>
+        <p:nvSpPr>
+          <p:cNvPr id="6" name="PlaceHolder 2"/>
+          <p:cNvSpPr>
+            <a:spLocks noGrp="1"/>
+          </p:cNvSpPr>
+          <p:nvPr>
+            <p:ph type="ftr" idx="1"/>
+          </p:nvPr>
+        </p:nvSpPr>
+        <p:spPr>
+          <a:xfrm>
+            <a:off x="0" y="4743360"/>
+            <a:ext cx="9144000" cy="399960"/>
+          </a:xfrm>
+          <a:prstGeom prst="rect">
+            <a:avLst/>
+          </a:prstGeom>
+          <a:noFill/>
+          <a:ln w="9360">
+            <a:noFill/>
+          </a:ln>
+        </p:spPr>
+        <p:txBody>
+          <a:bodyPr numCol="1" spcCol="0" lIns="90000" rIns="90000" tIns="45000" bIns="45000" anchor="ctr">
+            <a:noAutofit/>
+          </a:bodyPr>
+          <a:lstStyle>
+            <a:lvl1pPr algn="ctr">
+              <a:lnSpc>
+                <a:spcPct val="100000"/>
+              </a:lnSpc>
+              <a:buNone/>
+              <a:defRPr b="0" lang="de-DE" sz="1400" spc="-1" strike="noStrike">
+                <a:latin typeface="Times New Roman"/>
+              </a:defRPr>
+            </a:lvl1pPr>
+          </a:lstStyle>
           <a:p>
             <a:pPr algn="ctr">
               <a:lnSpc>
@@ -2135,64 +3822,6 @@
               <a:buNone/>
             </a:pPr>
             <a:r>
-              <a:rPr b="0" lang="en-US" sz="3200" spc="-1" strike="noStrike">
-                <a:solidFill>
-                  <a:srgbClr val="005293"/>
-                </a:solidFill>
-                <a:latin typeface="Arial"/>
-                <a:ea typeface="ＭＳ Ｐゴシック"/>
-              </a:rPr>
-              <a:t>Titelmasterformat durch Klicken bearbeiten</a:t>
-            </a:r>
-            <a:endParaRPr b="0" lang="de-DE" sz="3200" spc="-1" strike="noStrike">
-              <a:solidFill>
-                <a:srgbClr val="000000"/>
-              </a:solidFill>
-              <a:latin typeface="Arial"/>
-            </a:endParaRPr>
-          </a:p>
-        </p:txBody>
-      </p:sp>
-      <p:sp>
-        <p:nvSpPr>
-          <p:cNvPr id="7" name="PlaceHolder 2"/>
-          <p:cNvSpPr>
-            <a:spLocks noGrp="1"/>
-          </p:cNvSpPr>
-          <p:nvPr>
-            <p:ph type="ftr" idx="1"/>
-          </p:nvPr>
-        </p:nvSpPr>
-        <p:spPr>
-          <a:xfrm>
-            <a:off x="507960" y="6400800"/>
-            <a:ext cx="8152920" cy="304560"/>
-          </a:xfrm>
-          <a:prstGeom prst="rect">
-            <a:avLst/>
-          </a:prstGeom>
-          <a:noFill/>
-          <a:ln w="9360">
-            <a:noFill/>
-          </a:ln>
-        </p:spPr>
-        <p:txBody>
-          <a:bodyPr numCol="1" spcCol="0" anchor="t">
-            <a:noAutofit/>
-          </a:bodyPr>
-          <a:lstStyle>
-            <a:lvl1pPr algn="ctr">
-              <a:buNone/>
-              <a:defRPr b="0" lang="de-DE" sz="1400" spc="-1" strike="noStrike">
-                <a:latin typeface="Times New Roman"/>
-              </a:defRPr>
-            </a:lvl1pPr>
-          </a:lstStyle>
-          <a:p>
-            <a:pPr algn="ctr">
-              <a:buNone/>
-            </a:pPr>
-            <a:r>
               <a:rPr b="0" lang="de-DE" sz="1400" spc="-1" strike="noStrike">
                 <a:latin typeface="Times New Roman"/>
               </a:rPr>
@@ -2204,32 +3833,9 @@
           </a:p>
         </p:txBody>
       </p:sp>
-      <p:pic>
-        <p:nvPicPr>
-          <p:cNvPr id="8" name="Picture 29" descr="U:\Logos und Grafiken\TUMLogo_oZ_Vollfl_blau_RGB.png"/>
-          <p:cNvPicPr/>
-          <p:nvPr/>
-        </p:nvPicPr>
-        <p:blipFill>
-          <a:blip r:embed="rId4"/>
-          <a:stretch/>
-        </p:blipFill>
-        <p:spPr>
-          <a:xfrm>
-            <a:off x="7634880" y="423360"/>
-            <a:ext cx="1025640" cy="541440"/>
-          </a:xfrm>
-          <a:prstGeom prst="rect">
-            <a:avLst/>
-          </a:prstGeom>
-          <a:ln w="0">
-            <a:noFill/>
-          </a:ln>
-        </p:spPr>
-      </p:pic>
-      <p:sp>
-        <p:nvSpPr>
-          <p:cNvPr id="9" name="PlaceHolder 3"/>
+      <p:sp>
+        <p:nvSpPr>
+          <p:cNvPr id="7" name="PlaceHolder 3"/>
           <p:cNvSpPr>
             <a:spLocks noGrp="1"/>
           </p:cNvSpPr>
@@ -2239,8 +3845,8 @@
         </p:nvSpPr>
         <p:spPr>
           <a:xfrm>
-            <a:off x="431640" y="2160000"/>
-            <a:ext cx="8229240" cy="3977280"/>
+            <a:off x="540000" y="1800000"/>
+            <a:ext cx="8100000" cy="2700000"/>
           </a:xfrm>
           <a:prstGeom prst="rect">
             <a:avLst/>
@@ -2255,9 +3861,9 @@
             <a:normAutofit/>
           </a:bodyPr>
           <a:p>
-            <a:pPr marL="432000" indent="-324000">
+            <a:pPr marL="432000" indent="-324000" algn="ctr">
               <a:spcBef>
-                <a:spcPts val="1417"/>
+                <a:spcPts val="1060"/>
               </a:spcBef>
               <a:buClr>
                 <a:srgbClr val="000000"/>
@@ -2267,25 +3873,19 @@
               <a:buChar char=""/>
             </a:pPr>
             <a:r>
-              <a:rPr b="0" lang="de-DE" sz="2000" spc="-1" strike="noStrike">
-                <a:solidFill>
-                  <a:srgbClr val="000000"/>
-                </a:solidFill>
+              <a:rPr b="0" lang="de-DE" sz="2400" spc="-1" strike="noStrike">
                 <a:latin typeface="Arial"/>
               </a:rPr>
               <a:t>Format des Gliederungstextes durch Klicken bearbeiten</a:t>
             </a:r>
-            <a:endParaRPr b="0" lang="de-DE" sz="2000" spc="-1" strike="noStrike">
-              <a:solidFill>
-                <a:srgbClr val="000000"/>
-              </a:solidFill>
-              <a:latin typeface="Arial"/>
-            </a:endParaRPr>
-          </a:p>
-          <a:p>
-            <a:pPr lvl="1" marL="864000" indent="-324000">
+            <a:endParaRPr b="0" lang="de-DE" sz="2400" spc="-1" strike="noStrike">
+              <a:latin typeface="Arial"/>
+            </a:endParaRPr>
+          </a:p>
+          <a:p>
+            <a:pPr lvl="1" marL="864000" indent="-324000" algn="ctr">
               <a:spcBef>
-                <a:spcPts val="1134"/>
+                <a:spcPts val="850"/>
               </a:spcBef>
               <a:buClr>
                 <a:srgbClr val="000000"/>
@@ -2295,25 +3895,19 @@
               <a:buChar char=""/>
             </a:pPr>
             <a:r>
-              <a:rPr b="0" lang="de-DE" sz="2000" spc="-1" strike="noStrike">
-                <a:solidFill>
-                  <a:srgbClr val="000000"/>
-                </a:solidFill>
+              <a:rPr b="0" lang="de-DE" sz="2100" spc="-1" strike="noStrike">
                 <a:latin typeface="Arial"/>
               </a:rPr>
               <a:t>Zweite Gliederungsebene</a:t>
             </a:r>
-            <a:endParaRPr b="0" lang="de-DE" sz="2000" spc="-1" strike="noStrike">
-              <a:solidFill>
-                <a:srgbClr val="000000"/>
-              </a:solidFill>
-              <a:latin typeface="Arial"/>
-            </a:endParaRPr>
-          </a:p>
-          <a:p>
-            <a:pPr lvl="2" marL="1296000" indent="-288000">
+            <a:endParaRPr b="0" lang="de-DE" sz="2100" spc="-1" strike="noStrike">
+              <a:latin typeface="Arial"/>
+            </a:endParaRPr>
+          </a:p>
+          <a:p>
+            <a:pPr lvl="2" marL="1296000" indent="-288000" algn="ctr">
               <a:spcBef>
-                <a:spcPts val="850"/>
+                <a:spcPts val="635"/>
               </a:spcBef>
               <a:buClr>
                 <a:srgbClr val="000000"/>
@@ -2323,25 +3917,19 @@
               <a:buChar char=""/>
             </a:pPr>
             <a:r>
-              <a:rPr b="0" lang="de-DE" sz="2000" spc="-1" strike="noStrike">
-                <a:solidFill>
-                  <a:srgbClr val="000000"/>
-                </a:solidFill>
+              <a:rPr b="0" lang="de-DE" sz="1800" spc="-1" strike="noStrike">
                 <a:latin typeface="Arial"/>
               </a:rPr>
               <a:t>Dritte Gliederungsebene</a:t>
             </a:r>
-            <a:endParaRPr b="0" lang="de-DE" sz="2000" spc="-1" strike="noStrike">
-              <a:solidFill>
-                <a:srgbClr val="000000"/>
-              </a:solidFill>
-              <a:latin typeface="Arial"/>
-            </a:endParaRPr>
-          </a:p>
-          <a:p>
-            <a:pPr lvl="3" marL="1728000" indent="-216000">
+            <a:endParaRPr b="0" lang="de-DE" sz="1800" spc="-1" strike="noStrike">
+              <a:latin typeface="Arial"/>
+            </a:endParaRPr>
+          </a:p>
+          <a:p>
+            <a:pPr lvl="3" marL="1728000" indent="-216000" algn="ctr">
               <a:spcBef>
-                <a:spcPts val="567"/>
+                <a:spcPts val="422"/>
               </a:spcBef>
               <a:buClr>
                 <a:srgbClr val="000000"/>
@@ -2351,25 +3939,19 @@
               <a:buChar char=""/>
             </a:pPr>
             <a:r>
-              <a:rPr b="0" lang="de-DE" sz="2000" spc="-1" strike="noStrike">
-                <a:solidFill>
-                  <a:srgbClr val="000000"/>
-                </a:solidFill>
+              <a:rPr b="0" lang="de-DE" sz="1500" spc="-1" strike="noStrike">
                 <a:latin typeface="Arial"/>
               </a:rPr>
               <a:t>Vierte Gliederungsebene</a:t>
             </a:r>
-            <a:endParaRPr b="0" lang="de-DE" sz="2000" spc="-1" strike="noStrike">
-              <a:solidFill>
-                <a:srgbClr val="000000"/>
-              </a:solidFill>
-              <a:latin typeface="Arial"/>
-            </a:endParaRPr>
-          </a:p>
-          <a:p>
-            <a:pPr lvl="4" marL="2160000" indent="-216000">
+            <a:endParaRPr b="0" lang="de-DE" sz="1500" spc="-1" strike="noStrike">
+              <a:latin typeface="Arial"/>
+            </a:endParaRPr>
+          </a:p>
+          <a:p>
+            <a:pPr lvl="4" marL="2160000" indent="-216000" algn="ctr">
               <a:spcBef>
-                <a:spcPts val="283"/>
+                <a:spcPts val="210"/>
               </a:spcBef>
               <a:buClr>
                 <a:srgbClr val="000000"/>
@@ -2379,25 +3961,19 @@
               <a:buChar char=""/>
             </a:pPr>
             <a:r>
-              <a:rPr b="0" lang="de-DE" sz="2000" spc="-1" strike="noStrike">
-                <a:solidFill>
-                  <a:srgbClr val="000000"/>
-                </a:solidFill>
+              <a:rPr b="0" lang="de-DE" sz="1500" spc="-1" strike="noStrike">
                 <a:latin typeface="Arial"/>
               </a:rPr>
               <a:t>Fünfte Gliederungsebene</a:t>
             </a:r>
-            <a:endParaRPr b="0" lang="de-DE" sz="2000" spc="-1" strike="noStrike">
-              <a:solidFill>
-                <a:srgbClr val="000000"/>
-              </a:solidFill>
-              <a:latin typeface="Arial"/>
-            </a:endParaRPr>
-          </a:p>
-          <a:p>
-            <a:pPr lvl="5" marL="2592000" indent="-216000">
+            <a:endParaRPr b="0" lang="de-DE" sz="1500" spc="-1" strike="noStrike">
+              <a:latin typeface="Arial"/>
+            </a:endParaRPr>
+          </a:p>
+          <a:p>
+            <a:pPr lvl="5" marL="2592000" indent="-216000" algn="ctr">
               <a:spcBef>
-                <a:spcPts val="283"/>
+                <a:spcPts val="210"/>
               </a:spcBef>
               <a:buClr>
                 <a:srgbClr val="000000"/>
@@ -2407,25 +3983,19 @@
               <a:buChar char=""/>
             </a:pPr>
             <a:r>
-              <a:rPr b="0" lang="de-DE" sz="2000" spc="-1" strike="noStrike">
-                <a:solidFill>
-                  <a:srgbClr val="000000"/>
-                </a:solidFill>
+              <a:rPr b="0" lang="de-DE" sz="1500" spc="-1" strike="noStrike">
                 <a:latin typeface="Arial"/>
               </a:rPr>
               <a:t>Sechste Gliederungsebene</a:t>
             </a:r>
-            <a:endParaRPr b="0" lang="de-DE" sz="2000" spc="-1" strike="noStrike">
-              <a:solidFill>
-                <a:srgbClr val="000000"/>
-              </a:solidFill>
-              <a:latin typeface="Arial"/>
-            </a:endParaRPr>
-          </a:p>
-          <a:p>
-            <a:pPr lvl="6" marL="3024000" indent="-216000">
+            <a:endParaRPr b="0" lang="de-DE" sz="1500" spc="-1" strike="noStrike">
+              <a:latin typeface="Arial"/>
+            </a:endParaRPr>
+          </a:p>
+          <a:p>
+            <a:pPr lvl="6" marL="3024000" indent="-216000" algn="ctr">
               <a:spcBef>
-                <a:spcPts val="283"/>
+                <a:spcPts val="210"/>
               </a:spcBef>
               <a:buClr>
                 <a:srgbClr val="000000"/>
@@ -2435,18 +4005,12 @@
               <a:buChar char=""/>
             </a:pPr>
             <a:r>
-              <a:rPr b="0" lang="de-DE" sz="2000" spc="-1" strike="noStrike">
-                <a:solidFill>
-                  <a:srgbClr val="000000"/>
-                </a:solidFill>
+              <a:rPr b="0" lang="de-DE" sz="1500" spc="-1" strike="noStrike">
                 <a:latin typeface="Arial"/>
               </a:rPr>
               <a:t>Siebte Gliederungsebene</a:t>
             </a:r>
-            <a:endParaRPr b="0" lang="de-DE" sz="2000" spc="-1" strike="noStrike">
-              <a:solidFill>
-                <a:srgbClr val="000000"/>
-              </a:solidFill>
+            <a:endParaRPr b="0" lang="de-DE" sz="1500" spc="-1" strike="noStrike">
               <a:latin typeface="Arial"/>
             </a:endParaRPr>
           </a:p>
@@ -2456,18 +4020,587 @@
   </p:cSld>
   <p:clrMap bg1="lt1" bg2="lt2" tx1="dk1" tx2="dk2" accent1="accent1" accent2="accent2" accent3="accent3" accent4="accent4" accent5="accent5" accent6="accent6" hlink="hlink" folHlink="folHlink"/>
   <p:sldLayoutIdLst>
-    <p:sldLayoutId id="2147483649" r:id="rId5"/>
-    <p:sldLayoutId id="2147483650" r:id="rId6"/>
-    <p:sldLayoutId id="2147483651" r:id="rId7"/>
-    <p:sldLayoutId id="2147483652" r:id="rId8"/>
-    <p:sldLayoutId id="2147483653" r:id="rId9"/>
-    <p:sldLayoutId id="2147483654" r:id="rId10"/>
-    <p:sldLayoutId id="2147483655" r:id="rId11"/>
-    <p:sldLayoutId id="2147483656" r:id="rId12"/>
-    <p:sldLayoutId id="2147483657" r:id="rId13"/>
-    <p:sldLayoutId id="2147483658" r:id="rId14"/>
-    <p:sldLayoutId id="2147483659" r:id="rId15"/>
-    <p:sldLayoutId id="2147483660" r:id="rId16"/>
+    <p:sldLayoutId id="2147483649" r:id="rId3"/>
+    <p:sldLayoutId id="2147483650" r:id="rId4"/>
+    <p:sldLayoutId id="2147483651" r:id="rId5"/>
+    <p:sldLayoutId id="2147483652" r:id="rId6"/>
+    <p:sldLayoutId id="2147483653" r:id="rId7"/>
+    <p:sldLayoutId id="2147483654" r:id="rId8"/>
+    <p:sldLayoutId id="2147483655" r:id="rId9"/>
+    <p:sldLayoutId id="2147483656" r:id="rId10"/>
+    <p:sldLayoutId id="2147483657" r:id="rId11"/>
+    <p:sldLayoutId id="2147483658" r:id="rId12"/>
+    <p:sldLayoutId id="2147483659" r:id="rId13"/>
+    <p:sldLayoutId id="2147483660" r:id="rId14"/>
+  </p:sldLayoutIdLst>
+</p:sldMaster>
+</file>
+
+<file path=ppt/slideMasters/slideMaster2.xml><?xml version="1.0" encoding="utf-8"?>
+<p:sldMaster xmlns:a="http://schemas.openxmlformats.org/drawingml/2006/main" xmlns:p="http://schemas.openxmlformats.org/presentationml/2006/main" xmlns:r="http://schemas.openxmlformats.org/officeDocument/2006/relationships" xmlns:p14="http://schemas.microsoft.com/office/powerpoint/2010/main" xmlns:p15="http://schemas.microsoft.com/office/powerpoint/2012/main" xmlns:mc="http://schemas.openxmlformats.org/markup-compatibility/2006">
+  <p:cSld>
+    <p:bg>
+      <p:bgPr>
+        <a:solidFill>
+          <a:srgbClr val="ffffff"/>
+        </a:solidFill>
+      </p:bgPr>
+    </p:bg>
+    <p:spTree>
+      <p:nvGrpSpPr>
+        <p:cNvPr id="1" name=""/>
+        <p:cNvGrpSpPr/>
+        <p:nvPr/>
+      </p:nvGrpSpPr>
+      <p:grpSpPr>
+        <a:xfrm>
+          <a:off x="0" y="0"/>
+          <a:ext cx="0" cy="0"/>
+          <a:chOff x="0" y="0"/>
+          <a:chExt cx="0" cy="0"/>
+        </a:xfrm>
+      </p:grpSpPr>
+      <p:sp>
+        <p:nvSpPr>
+          <p:cNvPr id="44" name="Text Box 18" hidden="1"/>
+          <p:cNvSpPr/>
+          <p:nvPr/>
+        </p:nvSpPr>
+        <p:spPr>
+          <a:xfrm>
+            <a:off x="6228000" y="359640"/>
+            <a:ext cx="1838880" cy="226800"/>
+          </a:xfrm>
+          <a:prstGeom prst="rect">
+            <a:avLst/>
+          </a:prstGeom>
+          <a:noFill/>
+          <a:ln w="9525">
+            <a:noFill/>
+          </a:ln>
+        </p:spPr>
+        <p:style>
+          <a:lnRef idx="0"/>
+          <a:fillRef idx="0"/>
+          <a:effectRef idx="0"/>
+          <a:fontRef idx="minor"/>
+        </p:style>
+        <p:txBody>
+          <a:bodyPr wrap="none" lIns="90000" rIns="90000" tIns="45000" bIns="45000" anchor="t">
+            <a:spAutoFit/>
+          </a:bodyPr>
+          <a:p>
+            <a:pPr algn="r">
+              <a:lnSpc>
+                <a:spcPct val="100000"/>
+              </a:lnSpc>
+              <a:buNone/>
+            </a:pPr>
+            <a:r>
+              <a:rPr b="0" lang="en-US" sz="900" spc="-1" strike="noStrike">
+                <a:solidFill>
+                  <a:srgbClr val="005293"/>
+                </a:solidFill>
+                <a:latin typeface="Arial"/>
+                <a:ea typeface="ＭＳ Ｐゴシック"/>
+              </a:rPr>
+              <a:t>Technische Universität München</a:t>
+            </a:r>
+            <a:endParaRPr b="0" lang="de-DE" sz="900" spc="-1" strike="noStrike">
+              <a:latin typeface="Arial"/>
+            </a:endParaRPr>
+          </a:p>
+        </p:txBody>
+      </p:sp>
+      <p:sp>
+        <p:nvSpPr>
+          <p:cNvPr id="45" name="Line 23"/>
+          <p:cNvSpPr/>
+          <p:nvPr/>
+        </p:nvSpPr>
+        <p:spPr>
+          <a:xfrm>
+            <a:off x="0" y="4743360"/>
+            <a:ext cx="9144000" cy="360"/>
+          </a:xfrm>
+          <a:prstGeom prst="line">
+            <a:avLst/>
+          </a:prstGeom>
+          <a:ln w="9525">
+            <a:solidFill>
+              <a:srgbClr val="005293"/>
+            </a:solidFill>
+            <a:round/>
+          </a:ln>
+        </p:spPr>
+        <p:style>
+          <a:lnRef idx="0"/>
+          <a:fillRef idx="0"/>
+          <a:effectRef idx="0"/>
+          <a:fontRef idx="minor"/>
+        </p:style>
+      </p:sp>
+      <p:sp>
+        <p:nvSpPr>
+          <p:cNvPr id="46" name="Line 22"/>
+          <p:cNvSpPr/>
+          <p:nvPr/>
+        </p:nvSpPr>
+        <p:spPr>
+          <a:xfrm>
+            <a:off x="0" y="514440"/>
+            <a:ext cx="9144000" cy="360"/>
+          </a:xfrm>
+          <a:prstGeom prst="line">
+            <a:avLst/>
+          </a:prstGeom>
+          <a:ln w="9525">
+            <a:solidFill>
+              <a:srgbClr val="005293"/>
+            </a:solidFill>
+            <a:round/>
+          </a:ln>
+        </p:spPr>
+        <p:style>
+          <a:lnRef idx="0"/>
+          <a:fillRef idx="0"/>
+          <a:effectRef idx="0"/>
+          <a:fontRef idx="minor"/>
+        </p:style>
+      </p:sp>
+      <p:sp>
+        <p:nvSpPr>
+          <p:cNvPr id="47" name="Text Box 18" hidden="1"/>
+          <p:cNvSpPr/>
+          <p:nvPr/>
+        </p:nvSpPr>
+        <p:spPr>
+          <a:xfrm>
+            <a:off x="871560" y="252000"/>
+            <a:ext cx="1893600" cy="363960"/>
+          </a:xfrm>
+          <a:prstGeom prst="rect">
+            <a:avLst/>
+          </a:prstGeom>
+          <a:noFill/>
+          <a:ln w="9525">
+            <a:noFill/>
+          </a:ln>
+        </p:spPr>
+        <p:style>
+          <a:lnRef idx="0"/>
+          <a:fillRef idx="0"/>
+          <a:effectRef idx="0"/>
+          <a:fontRef idx="minor"/>
+        </p:style>
+        <p:txBody>
+          <a:bodyPr wrap="none" lIns="90000" rIns="90000" tIns="45000" bIns="45000" anchor="t">
+            <a:spAutoFit/>
+          </a:bodyPr>
+          <a:p>
+            <a:pPr>
+              <a:lnSpc>
+                <a:spcPct val="100000"/>
+              </a:lnSpc>
+              <a:buNone/>
+            </a:pPr>
+            <a:r>
+              <a:rPr b="0" lang="en-US" sz="900" spc="-1" strike="noStrike">
+                <a:solidFill>
+                  <a:srgbClr val="005293"/>
+                </a:solidFill>
+                <a:latin typeface="Arial"/>
+                <a:ea typeface="ＭＳ Ｐゴシック"/>
+              </a:rPr>
+              <a:t>Chair of Media Technology</a:t>
+            </a:r>
+            <a:endParaRPr b="0" lang="de-DE" sz="900" spc="-1" strike="noStrike">
+              <a:latin typeface="Arial"/>
+            </a:endParaRPr>
+          </a:p>
+          <a:p>
+            <a:pPr>
+              <a:lnSpc>
+                <a:spcPct val="100000"/>
+              </a:lnSpc>
+              <a:buNone/>
+            </a:pPr>
+            <a:r>
+              <a:rPr b="0" lang="en-US" sz="900" spc="-1" strike="noStrike">
+                <a:solidFill>
+                  <a:srgbClr val="005293"/>
+                </a:solidFill>
+                <a:latin typeface="Arial"/>
+                <a:ea typeface="ＭＳ Ｐゴシック"/>
+              </a:rPr>
+              <a:t>Prof. Dr.-Ing. Eckehard Steinbach</a:t>
+            </a:r>
+            <a:endParaRPr b="0" lang="de-DE" sz="900" spc="-1" strike="noStrike">
+              <a:latin typeface="Arial"/>
+            </a:endParaRPr>
+          </a:p>
+        </p:txBody>
+      </p:sp>
+      <p:pic>
+        <p:nvPicPr>
+          <p:cNvPr id="48" name="Picture 29" descr="U:\Logos und Grafiken\TUMLogo_oZ_Vollfl_blau_RGB.png"/>
+          <p:cNvPicPr/>
+          <p:nvPr/>
+        </p:nvPicPr>
+        <p:blipFill>
+          <a:blip r:embed="rId2"/>
+          <a:stretch/>
+        </p:blipFill>
+        <p:spPr>
+          <a:xfrm>
+            <a:off x="8280000" y="180000"/>
+            <a:ext cx="603720" cy="238680"/>
+          </a:xfrm>
+          <a:prstGeom prst="rect">
+            <a:avLst/>
+          </a:prstGeom>
+          <a:ln w="0">
+            <a:noFill/>
+          </a:ln>
+        </p:spPr>
+      </p:pic>
+      <p:sp>
+        <p:nvSpPr>
+          <p:cNvPr id="49" name="PlaceHolder 1"/>
+          <p:cNvSpPr>
+            <a:spLocks noGrp="1"/>
+          </p:cNvSpPr>
+          <p:nvPr>
+            <p:ph type="ftr" idx="2"/>
+          </p:nvPr>
+        </p:nvSpPr>
+        <p:spPr>
+          <a:xfrm>
+            <a:off x="360000" y="4743720"/>
+            <a:ext cx="4680000" cy="399960"/>
+          </a:xfrm>
+          <a:prstGeom prst="rect">
+            <a:avLst/>
+          </a:prstGeom>
+          <a:noFill/>
+          <a:ln w="9360">
+            <a:noFill/>
+          </a:ln>
+        </p:spPr>
+        <p:txBody>
+          <a:bodyPr numCol="1" spcCol="0" lIns="90000" rIns="90000" tIns="45000" bIns="45000" anchor="ctr">
+            <a:noAutofit/>
+          </a:bodyPr>
+          <a:lstStyle>
+            <a:lvl1pPr>
+              <a:lnSpc>
+                <a:spcPct val="100000"/>
+              </a:lnSpc>
+              <a:buNone/>
+              <a:defRPr b="0" lang="de-DE" sz="1200" spc="-1" strike="noStrike">
+                <a:latin typeface="Times New Roman"/>
+              </a:defRPr>
+            </a:lvl1pPr>
+          </a:lstStyle>
+          <a:p>
+            <a:pPr>
+              <a:lnSpc>
+                <a:spcPct val="100000"/>
+              </a:lnSpc>
+              <a:buNone/>
+            </a:pPr>
+            <a:r>
+              <a:rPr b="0" lang="de-DE" sz="1200" spc="-1" strike="noStrike">
+                <a:latin typeface="Times New Roman"/>
+              </a:rPr>
+              <a:t>&lt;Fußzeile&gt;</a:t>
+            </a:r>
+            <a:endParaRPr b="0" lang="de-DE" sz="1200" spc="-1" strike="noStrike">
+              <a:latin typeface="Times New Roman"/>
+            </a:endParaRPr>
+          </a:p>
+        </p:txBody>
+      </p:sp>
+      <p:sp>
+        <p:nvSpPr>
+          <p:cNvPr id="50" name="PlaceHolder 2"/>
+          <p:cNvSpPr>
+            <a:spLocks noGrp="1"/>
+          </p:cNvSpPr>
+          <p:nvPr>
+            <p:ph type="title"/>
+          </p:nvPr>
+        </p:nvSpPr>
+        <p:spPr>
+          <a:xfrm>
+            <a:off x="180000" y="545760"/>
+            <a:ext cx="8820000" cy="534240"/>
+          </a:xfrm>
+          <a:prstGeom prst="rect">
+            <a:avLst/>
+          </a:prstGeom>
+          <a:noFill/>
+          <a:ln w="0">
+            <a:noFill/>
+          </a:ln>
+        </p:spPr>
+        <p:txBody>
+          <a:bodyPr lIns="0" rIns="0" tIns="0" bIns="0" anchor="ctr">
+            <a:noAutofit/>
+          </a:bodyPr>
+          <a:p>
+            <a:r>
+              <a:rPr b="0" lang="de-DE" sz="3200" spc="-1" strike="noStrike" u="sng">
+                <a:uFillTx/>
+                <a:latin typeface="Arial"/>
+              </a:rPr>
+              <a:t>Format des Titeltextes durch Klicken bearbeiten</a:t>
+            </a:r>
+            <a:endParaRPr b="0" lang="de-DE" sz="3200" spc="-1" strike="noStrike" u="sng">
+              <a:uFillTx/>
+              <a:latin typeface="Arial"/>
+            </a:endParaRPr>
+          </a:p>
+        </p:txBody>
+      </p:sp>
+      <p:sp>
+        <p:nvSpPr>
+          <p:cNvPr id="51" name="PlaceHolder 3"/>
+          <p:cNvSpPr>
+            <a:spLocks noGrp="1"/>
+          </p:cNvSpPr>
+          <p:nvPr>
+            <p:ph type="body"/>
+          </p:nvPr>
+        </p:nvSpPr>
+        <p:spPr>
+          <a:xfrm>
+            <a:off x="180000" y="1440000"/>
+            <a:ext cx="8820000" cy="3060000"/>
+          </a:xfrm>
+          <a:prstGeom prst="rect">
+            <a:avLst/>
+          </a:prstGeom>
+          <a:noFill/>
+          <a:ln w="0">
+            <a:noFill/>
+          </a:ln>
+        </p:spPr>
+        <p:txBody>
+          <a:bodyPr lIns="0" rIns="0" tIns="0" bIns="0" anchor="t">
+            <a:normAutofit/>
+          </a:bodyPr>
+          <a:p>
+            <a:pPr marL="432000" indent="-324000">
+              <a:spcBef>
+                <a:spcPts val="1060"/>
+              </a:spcBef>
+              <a:buClr>
+                <a:srgbClr val="000000"/>
+              </a:buClr>
+              <a:buSzPct val="45000"/>
+              <a:buFont typeface="Wingdings" charset="2"/>
+              <a:buChar char=""/>
+            </a:pPr>
+            <a:r>
+              <a:rPr b="0" lang="de-DE" sz="2400" spc="-1" strike="noStrike">
+                <a:latin typeface="Arial"/>
+              </a:rPr>
+              <a:t>Format des Gliederungstextes durch Klicken bearbeiten</a:t>
+            </a:r>
+            <a:endParaRPr b="0" lang="de-DE" sz="2400" spc="-1" strike="noStrike">
+              <a:latin typeface="Arial"/>
+            </a:endParaRPr>
+          </a:p>
+          <a:p>
+            <a:pPr lvl="1" marL="864000" indent="-324000">
+              <a:spcBef>
+                <a:spcPts val="850"/>
+              </a:spcBef>
+              <a:buClr>
+                <a:srgbClr val="000000"/>
+              </a:buClr>
+              <a:buSzPct val="75000"/>
+              <a:buFont typeface="Symbol" charset="2"/>
+              <a:buChar char=""/>
+            </a:pPr>
+            <a:r>
+              <a:rPr b="0" lang="de-DE" sz="2100" spc="-1" strike="noStrike">
+                <a:latin typeface="Arial"/>
+              </a:rPr>
+              <a:t>Zweite Gliederungsebene</a:t>
+            </a:r>
+            <a:endParaRPr b="0" lang="de-DE" sz="2100" spc="-1" strike="noStrike">
+              <a:latin typeface="Arial"/>
+            </a:endParaRPr>
+          </a:p>
+          <a:p>
+            <a:pPr lvl="2" marL="1296000" indent="-288000">
+              <a:spcBef>
+                <a:spcPts val="635"/>
+              </a:spcBef>
+              <a:buClr>
+                <a:srgbClr val="000000"/>
+              </a:buClr>
+              <a:buSzPct val="45000"/>
+              <a:buFont typeface="Wingdings" charset="2"/>
+              <a:buChar char=""/>
+            </a:pPr>
+            <a:r>
+              <a:rPr b="0" lang="de-DE" sz="1800" spc="-1" strike="noStrike">
+                <a:latin typeface="Arial"/>
+              </a:rPr>
+              <a:t>Dritte Gliederungsebene</a:t>
+            </a:r>
+            <a:endParaRPr b="0" lang="de-DE" sz="1800" spc="-1" strike="noStrike">
+              <a:latin typeface="Arial"/>
+            </a:endParaRPr>
+          </a:p>
+          <a:p>
+            <a:pPr lvl="3" marL="1728000" indent="-216000">
+              <a:spcBef>
+                <a:spcPts val="422"/>
+              </a:spcBef>
+              <a:buClr>
+                <a:srgbClr val="000000"/>
+              </a:buClr>
+              <a:buSzPct val="75000"/>
+              <a:buFont typeface="Symbol" charset="2"/>
+              <a:buChar char=""/>
+            </a:pPr>
+            <a:r>
+              <a:rPr b="0" lang="de-DE" sz="1500" spc="-1" strike="noStrike">
+                <a:latin typeface="Arial"/>
+              </a:rPr>
+              <a:t>Vierte Gliederungsebene</a:t>
+            </a:r>
+            <a:endParaRPr b="0" lang="de-DE" sz="1500" spc="-1" strike="noStrike">
+              <a:latin typeface="Arial"/>
+            </a:endParaRPr>
+          </a:p>
+          <a:p>
+            <a:pPr lvl="4" marL="2160000" indent="-216000">
+              <a:spcBef>
+                <a:spcPts val="210"/>
+              </a:spcBef>
+              <a:buClr>
+                <a:srgbClr val="000000"/>
+              </a:buClr>
+              <a:buSzPct val="45000"/>
+              <a:buFont typeface="Wingdings" charset="2"/>
+              <a:buChar char=""/>
+            </a:pPr>
+            <a:r>
+              <a:rPr b="0" lang="de-DE" sz="1500" spc="-1" strike="noStrike">
+                <a:latin typeface="Arial"/>
+              </a:rPr>
+              <a:t>Fünfte Gliederungsebene</a:t>
+            </a:r>
+            <a:endParaRPr b="0" lang="de-DE" sz="1500" spc="-1" strike="noStrike">
+              <a:latin typeface="Arial"/>
+            </a:endParaRPr>
+          </a:p>
+          <a:p>
+            <a:pPr lvl="5" marL="2592000" indent="-216000">
+              <a:spcBef>
+                <a:spcPts val="210"/>
+              </a:spcBef>
+              <a:buClr>
+                <a:srgbClr val="000000"/>
+              </a:buClr>
+              <a:buSzPct val="45000"/>
+              <a:buFont typeface="Wingdings" charset="2"/>
+              <a:buChar char=""/>
+            </a:pPr>
+            <a:r>
+              <a:rPr b="0" lang="de-DE" sz="1500" spc="-1" strike="noStrike">
+                <a:latin typeface="Arial"/>
+              </a:rPr>
+              <a:t>Sechste Gliederungsebene</a:t>
+            </a:r>
+            <a:endParaRPr b="0" lang="de-DE" sz="1500" spc="-1" strike="noStrike">
+              <a:latin typeface="Arial"/>
+            </a:endParaRPr>
+          </a:p>
+          <a:p>
+            <a:pPr lvl="6" marL="3024000" indent="-216000">
+              <a:spcBef>
+                <a:spcPts val="210"/>
+              </a:spcBef>
+              <a:buClr>
+                <a:srgbClr val="000000"/>
+              </a:buClr>
+              <a:buSzPct val="45000"/>
+              <a:buFont typeface="Wingdings" charset="2"/>
+              <a:buChar char=""/>
+            </a:pPr>
+            <a:r>
+              <a:rPr b="0" lang="de-DE" sz="1500" spc="-1" strike="noStrike">
+                <a:latin typeface="Arial"/>
+              </a:rPr>
+              <a:t>Siebte Gliederungsebene</a:t>
+            </a:r>
+            <a:endParaRPr b="0" lang="de-DE" sz="1500" spc="-1" strike="noStrike">
+              <a:latin typeface="Arial"/>
+            </a:endParaRPr>
+          </a:p>
+        </p:txBody>
+      </p:sp>
+      <p:sp>
+        <p:nvSpPr>
+          <p:cNvPr id="52" name=""/>
+          <p:cNvSpPr txBox="1"/>
+          <p:nvPr/>
+        </p:nvSpPr>
+        <p:spPr>
+          <a:xfrm>
+            <a:off x="7200000" y="4743360"/>
+            <a:ext cx="1944000" cy="400320"/>
+          </a:xfrm>
+          <a:prstGeom prst="rect">
+            <a:avLst/>
+          </a:prstGeom>
+          <a:noFill/>
+          <a:ln w="0">
+            <a:noFill/>
+          </a:ln>
+        </p:spPr>
+        <p:txBody>
+          <a:bodyPr lIns="90000" rIns="90000" tIns="45000" bIns="45000" anchor="ctr">
+            <a:noAutofit/>
+          </a:bodyPr>
+          <a:p>
+            <a:pPr algn="ctr">
+              <a:buNone/>
+            </a:pPr>
+            <a:fld id="{77081947-053D-4D55-84BD-885279A48E69}" type="slidenum">
+              <a:rPr b="0" lang="de-DE" sz="1400" spc="-1" strike="noStrike">
+                <a:latin typeface="Times New Roman"/>
+              </a:rPr>
+              <a:t>&lt;Foliennummer&gt;</a:t>
+            </a:fld>
+            <a:endParaRPr b="0" lang="de-DE" sz="1400" spc="-1" strike="noStrike">
+              <a:latin typeface="Times New Roman"/>
+            </a:endParaRPr>
+          </a:p>
+        </p:txBody>
+      </p:sp>
+    </p:spTree>
+  </p:cSld>
+  <p:clrMap bg1="lt1" bg2="lt2" tx1="dk1" tx2="dk2" accent1="accent1" accent2="accent2" accent3="accent3" accent4="accent4" accent5="accent5" accent6="accent6" hlink="hlink" folHlink="folHlink"/>
+  <p:sldLayoutIdLst>
+    <p:sldLayoutId id="2147483662" r:id="rId3"/>
+    <p:sldLayoutId id="2147483663" r:id="rId4"/>
+    <p:sldLayoutId id="2147483664" r:id="rId5"/>
+    <p:sldLayoutId id="2147483665" r:id="rId6"/>
+    <p:sldLayoutId id="2147483666" r:id="rId7"/>
+    <p:sldLayoutId id="2147483667" r:id="rId8"/>
+    <p:sldLayoutId id="2147483668" r:id="rId9"/>
+    <p:sldLayoutId id="2147483669" r:id="rId10"/>
+    <p:sldLayoutId id="2147483670" r:id="rId11"/>
+    <p:sldLayoutId id="2147483671" r:id="rId12"/>
+    <p:sldLayoutId id="2147483672" r:id="rId13"/>
+    <p:sldLayoutId id="2147483673" r:id="rId14"/>
   </p:sldLayoutIdLst>
 </p:sldMaster>
 </file>
@@ -2491,7 +4624,7 @@
       </p:grpSpPr>
       <p:sp>
         <p:nvSpPr>
-          <p:cNvPr id="46" name="PlaceHolder 1"/>
+          <p:cNvPr id="89" name="PlaceHolder 1"/>
           <p:cNvSpPr>
             <a:spLocks noGrp="1"/>
           </p:cNvSpPr>
@@ -2501,19 +4634,70 @@
         </p:nvSpPr>
         <p:spPr>
           <a:xfrm>
-            <a:off x="0" y="1080000"/>
-            <a:ext cx="9144000" cy="1294920"/>
-          </a:xfrm>
-          <a:prstGeom prst="rect">
-            <a:avLst/>
-          </a:prstGeom>
-          <a:noFill/>
-          <a:ln w="0">
-            <a:noFill/>
-          </a:ln>
-        </p:spPr>
-        <p:txBody>
-          <a:bodyPr numCol="1" spcCol="0" anchor="t">
+            <a:off x="2322000" y="720000"/>
+            <a:ext cx="4500000" cy="855000"/>
+          </a:xfrm>
+          <a:prstGeom prst="rect">
+            <a:avLst/>
+          </a:prstGeom>
+          <a:noFill/>
+          <a:ln w="0">
+            <a:noFill/>
+          </a:ln>
+        </p:spPr>
+        <p:txBody>
+          <a:bodyPr lIns="0" rIns="0" tIns="0" bIns="0" anchor="ctr">
+            <a:noAutofit/>
+          </a:bodyPr>
+          <a:p>
+            <a:pPr algn="ctr">
+              <a:buNone/>
+            </a:pPr>
+            <a:r>
+              <a:rPr b="0" lang="de-DE" sz="4000" spc="-1" strike="noStrike">
+                <a:solidFill>
+                  <a:srgbClr val="005293"/>
+                </a:solidFill>
+                <a:latin typeface="Arial"/>
+              </a:rPr>
+              <a:t>FPV Tutorübung</a:t>
+            </a:r>
+            <a:endParaRPr b="0" lang="de-DE" sz="4000" spc="-1" strike="noStrike">
+              <a:solidFill>
+                <a:srgbClr val="005293"/>
+              </a:solidFill>
+              <a:latin typeface="Arial"/>
+            </a:endParaRPr>
+          </a:p>
+        </p:txBody>
+      </p:sp>
+      <p:sp>
+        <p:nvSpPr>
+          <p:cNvPr id="90" name="Rectangle 1"/>
+          <p:cNvSpPr/>
+          <p:nvPr/>
+        </p:nvSpPr>
+        <p:spPr>
+          <a:xfrm>
+            <a:off x="702360" y="2160000"/>
+            <a:ext cx="7739640" cy="565920"/>
+          </a:xfrm>
+          <a:prstGeom prst="rect">
+            <a:avLst/>
+          </a:prstGeom>
+          <a:noFill/>
+          <a:ln w="0">
+            <a:noFill/>
+          </a:ln>
+        </p:spPr>
+        <p:style>
+          <a:lnRef idx="0"/>
+          <a:fillRef idx="0"/>
+          <a:effectRef idx="0"/>
+          <a:fontRef idx="minor"/>
+        </p:style>
+        <p:txBody>
+          <a:bodyPr numCol="1" spcCol="0" lIns="90000" rIns="90000" tIns="45000" bIns="45000" anchor="t">
             <a:noAutofit/>
           </a:bodyPr>
           <a:p>
@@ -2530,100 +4714,95 @@
               <a:buNone/>
             </a:pPr>
             <a:r>
-              <a:rPr b="0" lang="de-DE" sz="4000" spc="-1" strike="noStrike">
-                <a:solidFill>
-                  <a:srgbClr val="005293"/>
-                </a:solidFill>
-                <a:latin typeface="Arial"/>
-              </a:rPr>
-              <a:t>FPV Tutorübung</a:t>
-            </a:r>
-            <a:br>
-              <a:rPr sz="4000"/>
-            </a:br>
-            <a:r>
               <a:rPr b="0" lang="de-DE" sz="2800" spc="-1" strike="noStrike">
                 <a:solidFill>
                   <a:srgbClr val="005293"/>
                 </a:solidFill>
                 <a:latin typeface="Arial"/>
               </a:rPr>
-              <a:t>Woche 1</a:t>
+              <a:t>Implications, Assertions and Conditions</a:t>
             </a:r>
             <a:endParaRPr b="0" lang="de-DE" sz="2800" spc="-1" strike="noStrike">
-              <a:solidFill>
-                <a:srgbClr val="005293"/>
-              </a:solidFill>
-              <a:latin typeface="Arial"/>
-              <a:ea typeface="ＭＳ Ｐゴシック"/>
-            </a:endParaRPr>
-          </a:p>
-        </p:txBody>
-      </p:sp>
-      <p:sp>
-        <p:nvSpPr>
-          <p:cNvPr id="47" name="PlaceHolder 2"/>
-          <p:cNvSpPr>
-            <a:spLocks noGrp="1"/>
-          </p:cNvSpPr>
-          <p:nvPr>
-            <p:ph type="subTitle"/>
-          </p:nvPr>
-        </p:nvSpPr>
-        <p:spPr>
-          <a:xfrm>
-            <a:off x="2700000" y="5040000"/>
-            <a:ext cx="3960000" cy="540000"/>
-          </a:xfrm>
-          <a:prstGeom prst="rect">
-            <a:avLst/>
-          </a:prstGeom>
-          <a:noFill/>
-          <a:ln w="0">
-            <a:noFill/>
-          </a:ln>
-        </p:spPr>
-        <p:txBody>
-          <a:bodyPr numCol="1" spcCol="0" anchor="t">
+              <a:latin typeface="Arial"/>
+            </a:endParaRPr>
+          </a:p>
+        </p:txBody>
+      </p:sp>
+      <p:sp>
+        <p:nvSpPr>
+          <p:cNvPr id="91" name=""/>
+          <p:cNvSpPr/>
+          <p:nvPr/>
+        </p:nvSpPr>
+        <p:spPr>
+          <a:xfrm>
+            <a:off x="3856320" y="4140000"/>
+            <a:ext cx="1431720" cy="290880"/>
+          </a:xfrm>
+          <a:prstGeom prst="rect">
+            <a:avLst/>
+          </a:prstGeom>
+          <a:noFill/>
+          <a:ln w="0">
+            <a:noFill/>
+          </a:ln>
+        </p:spPr>
+        <p:style>
+          <a:lnRef idx="0"/>
+          <a:fillRef idx="0"/>
+          <a:effectRef idx="0"/>
+          <a:fontRef idx="minor"/>
+        </p:style>
+        <p:txBody>
+          <a:bodyPr lIns="90000" rIns="90000" tIns="45000" bIns="45000" anchor="t">
             <a:noAutofit/>
           </a:bodyPr>
           <a:p>
             <a:pPr algn="ctr">
+              <a:lnSpc>
+                <a:spcPct val="100000"/>
+              </a:lnSpc>
               <a:buNone/>
             </a:pPr>
-            <a:r>
-              <a:rPr b="0" lang="de-DE" sz="2000" spc="-1" strike="noStrike">
+            <a:fld id="{1D9EEED4-9C4A-4F6B-99F7-A90D6DC8D79B}" type="datetime">
+              <a:rPr b="0" lang="de-DE" sz="1600" spc="-1" strike="noStrike">
                 <a:latin typeface="Arial"/>
               </a:rPr>
-              <a:t>Manuel Lerchner</a:t>
-            </a:r>
-            <a:endParaRPr b="0" lang="de-DE" sz="2000" spc="-1" strike="noStrike">
-              <a:latin typeface="Arial"/>
-            </a:endParaRPr>
-          </a:p>
-        </p:txBody>
-      </p:sp>
-      <p:sp>
-        <p:nvSpPr>
-          <p:cNvPr id="48" name="Rectangle 1"/>
-          <p:cNvSpPr txBox="1"/>
+              <a:t>03.04.23</a:t>
+            </a:fld>
+            <a:endParaRPr b="0" lang="de-DE" sz="1600" spc="-1" strike="noStrike">
+              <a:latin typeface="Arial"/>
+            </a:endParaRPr>
+          </a:p>
+        </p:txBody>
+      </p:sp>
+      <p:sp>
+        <p:nvSpPr>
+          <p:cNvPr id="92" name="Rectangle 2"/>
+          <p:cNvSpPr/>
           <p:nvPr/>
         </p:nvSpPr>
         <p:spPr>
           <a:xfrm>
-            <a:off x="36000" y="3060000"/>
-            <a:ext cx="9108000" cy="754920"/>
-          </a:xfrm>
-          <a:prstGeom prst="rect">
-            <a:avLst/>
-          </a:prstGeom>
-          <a:noFill/>
-          <a:ln w="0">
-            <a:noFill/>
-          </a:ln>
-        </p:spPr>
-        <p:txBody>
-          <a:bodyPr numCol="1" spcCol="0" anchor="t">
+            <a:off x="3852000" y="1800000"/>
+            <a:ext cx="1440000" cy="360000"/>
+          </a:xfrm>
+          <a:prstGeom prst="rect">
+            <a:avLst/>
+          </a:prstGeom>
+          <a:noFill/>
+          <a:ln w="0">
+            <a:noFill/>
+          </a:ln>
+        </p:spPr>
+        <p:style>
+          <a:lnRef idx="0"/>
+          <a:fillRef idx="0"/>
+          <a:effectRef idx="0"/>
+          <a:fontRef idx="minor"/>
+        </p:style>
+        <p:txBody>
+          <a:bodyPr numCol="1" spcCol="0" lIns="90000" rIns="90000" tIns="45000" bIns="45000" anchor="t">
             <a:noAutofit/>
           </a:bodyPr>
           <a:p>
@@ -2640,60 +4819,96 @@
               <a:buNone/>
             </a:pPr>
             <a:r>
-              <a:rPr b="0" lang="de-DE" sz="2400" spc="-1" strike="noStrike">
+              <a:rPr b="0" lang="de-DE" sz="2000" spc="-1" strike="noStrike">
                 <a:solidFill>
                   <a:srgbClr val="005293"/>
                 </a:solidFill>
                 <a:latin typeface="Arial"/>
               </a:rPr>
-              <a:t>Implikationen &amp; Logik</a:t>
-            </a:r>
-            <a:endParaRPr b="0" lang="de-DE" sz="2400" spc="-1" strike="noStrike">
-              <a:solidFill>
-                <a:srgbClr val="005293"/>
-              </a:solidFill>
-              <a:latin typeface="Arial"/>
-              <a:ea typeface="ＭＳ Ｐゴシック"/>
-            </a:endParaRPr>
-          </a:p>
-        </p:txBody>
-      </p:sp>
-      <p:sp>
-        <p:nvSpPr>
-          <p:cNvPr id="49" name=""/>
+              <a:t>Woche 1</a:t>
+            </a:r>
+            <a:endParaRPr b="0" lang="de-DE" sz="2000" spc="-1" strike="noStrike">
+              <a:latin typeface="Arial"/>
+            </a:endParaRPr>
+          </a:p>
+        </p:txBody>
+      </p:sp>
+      <p:sp>
+        <p:nvSpPr>
+          <p:cNvPr id="93" name=""/>
           <p:cNvSpPr txBox="1"/>
           <p:nvPr/>
         </p:nvSpPr>
         <p:spPr>
           <a:xfrm>
-            <a:off x="3968280" y="5600520"/>
-            <a:ext cx="1512720" cy="388080"/>
-          </a:xfrm>
-          <a:prstGeom prst="rect">
-            <a:avLst/>
-          </a:prstGeom>
-          <a:noFill/>
-          <a:ln w="0">
-            <a:noFill/>
-          </a:ln>
-        </p:spPr>
-        <p:txBody>
-          <a:bodyPr lIns="90000" rIns="90000" tIns="45000" bIns="45000" anchor="t">
+            <a:off x="3479040" y="3060000"/>
+            <a:ext cx="2186280" cy="779040"/>
+          </a:xfrm>
+          <a:prstGeom prst="rect">
+            <a:avLst/>
+          </a:prstGeom>
+          <a:noFill/>
+          <a:ln w="0">
+            <a:noFill/>
+          </a:ln>
+        </p:spPr>
+        <p:txBody>
+          <a:bodyPr lIns="90000" rIns="90000" tIns="45000" bIns="45000" anchor="ctr">
             <a:noAutofit/>
           </a:bodyPr>
           <a:p>
             <a:pPr algn="ctr">
+              <a:lnSpc>
+                <a:spcPct val="150000"/>
+              </a:lnSpc>
               <a:buNone/>
             </a:pPr>
-            <a:fld id="{1EAA4250-1710-48D7-916B-100D7FA4FEDF}" type="datetime">
-              <a:rPr b="0" lang="de-DE" sz="1600" spc="-1" strike="noStrike">
+            <a:r>
+              <a:rPr b="0" lang="de-DE" sz="1800" spc="-1" strike="noStrike">
                 <a:latin typeface="Arial"/>
               </a:rPr>
-              <a:t>03.04.23</a:t>
-            </a:fld>
-            <a:endParaRPr b="0" lang="de-DE" sz="1600" spc="-1" strike="noStrike">
-              <a:latin typeface="Arial"/>
-            </a:endParaRPr>
+              <a:t>Manuel Lerchner</a:t>
+            </a:r>
+            <a:endParaRPr b="0" lang="de-DE" sz="1800" spc="-1" strike="noStrike">
+              <a:latin typeface="Arial"/>
+            </a:endParaRPr>
+          </a:p>
+          <a:p>
+            <a:pPr algn="ctr">
+              <a:lnSpc>
+                <a:spcPct val="150000"/>
+              </a:lnSpc>
+              <a:buNone/>
+            </a:pPr>
+            <a:r>
+              <a:rPr b="0" lang="de-DE" sz="1400" spc="-1" strike="noStrike">
+                <a:latin typeface="Arial"/>
+              </a:rPr>
+              <a:t>manuel.lerchner@tum.de</a:t>
+            </a:r>
+            <a:endParaRPr b="0" lang="de-DE" sz="1400" spc="-1" strike="noStrike">
+              <a:latin typeface="Arial"/>
+            </a:endParaRPr>
+          </a:p>
+        </p:txBody>
+      </p:sp>
+      <p:sp>
+        <p:nvSpPr>
+          <p:cNvPr id="3" name="PlaceHolder 2"/>
+          <p:cNvSpPr>
+            <a:spLocks noGrp="1"/>
+          </p:cNvSpPr>
+          <p:nvPr>
+            <p:ph type="ftr" idx="1"/>
+          </p:nvPr>
+        </p:nvSpPr>
+        <p:spPr/>
+        <p:txBody>
+          <a:bodyPr/>
+          <a:p>
+            <a:r>
+              <a:t>https://github.com/ManuelLerchner/fpv-tutorial-SS23</a:t>
+            </a:r>
           </a:p>
         </p:txBody>
       </p:sp>
@@ -2729,7 +4944,7 @@
       </p:grpSpPr>
       <p:sp>
         <p:nvSpPr>
-          <p:cNvPr id="50" name="PlaceHolder 1"/>
+          <p:cNvPr id="94" name="PlaceHolder 1"/>
           <p:cNvSpPr>
             <a:spLocks noGrp="1"/>
           </p:cNvSpPr>
@@ -2739,8 +4954,8 @@
         </p:nvSpPr>
         <p:spPr>
           <a:xfrm>
-            <a:off x="360000" y="360000"/>
-            <a:ext cx="7920000" cy="900000"/>
+            <a:off x="180000" y="545760"/>
+            <a:ext cx="8820000" cy="534240"/>
           </a:xfrm>
           <a:prstGeom prst="rect">
             <a:avLst/>
@@ -2756,20 +4971,36 @@
           </a:bodyPr>
           <a:p>
             <a:r>
-              <a:rPr b="0" lang="de-DE" sz="3200" spc="-1" strike="noStrike">
-                <a:solidFill>
-                  <a:srgbClr val="000000"/>
-                </a:solidFill>
+              <a:rPr b="0" lang="de-DE" sz="3200" spc="-1" strike="noStrike" u="sng">
+                <a:uFillTx/>
                 <a:latin typeface="Arial"/>
               </a:rPr>
               <a:t>Thema 1</a:t>
             </a:r>
-            <a:endParaRPr b="0" lang="de-DE" sz="3200" spc="-1" strike="noStrike">
-              <a:solidFill>
-                <a:srgbClr val="000000"/>
-              </a:solidFill>
-              <a:latin typeface="Arial"/>
-            </a:endParaRPr>
+            <a:endParaRPr b="0" lang="de-DE" sz="3200" spc="-1" strike="noStrike" u="sng">
+              <a:uFillTx/>
+              <a:latin typeface="Arial"/>
+            </a:endParaRPr>
+          </a:p>
+        </p:txBody>
+      </p:sp>
+      <p:sp>
+        <p:nvSpPr>
+          <p:cNvPr id="3" name="PlaceHolder 2"/>
+          <p:cNvSpPr>
+            <a:spLocks noGrp="1"/>
+          </p:cNvSpPr>
+          <p:nvPr>
+            <p:ph type="ftr" idx="2"/>
+          </p:nvPr>
+        </p:nvSpPr>
+        <p:spPr/>
+        <p:txBody>
+          <a:bodyPr/>
+          <a:p>
+            <a:r>
+              <a:t>https://github.com/ManuelLerchner/fpv-tutorial-SS23</a:t>
+            </a:r>
           </a:p>
         </p:txBody>
       </p:sp>
@@ -3010,4 +5241,230 @@
     </a:fmtScheme>
   </a:themeElements>
 </a:theme>
+</file>
+
+<file path=ppt/theme/theme2.xml><?xml version="1.0" encoding="utf-8"?>
+<a:theme xmlns:a="http://schemas.openxmlformats.org/drawingml/2006/main" name="Office Theme">
+  <a:themeElements>
+    <a:clrScheme name="Office">
+      <a:dk1>
+        <a:sysClr val="windowText" lastClr="000000"/>
+      </a:dk1>
+      <a:lt1>
+        <a:sysClr val="window" lastClr="FFFFFF"/>
+      </a:lt1>
+      <a:dk2>
+        <a:srgbClr val="0065bd"/>
+      </a:dk2>
+      <a:lt2>
+        <a:srgbClr val="005293"/>
+      </a:lt2>
+      <a:accent1>
+        <a:srgbClr val="a2ad00"/>
+      </a:accent1>
+      <a:accent2>
+        <a:srgbClr val="e37222"/>
+      </a:accent2>
+      <a:accent3>
+        <a:srgbClr val="aab8db"/>
+      </a:accent3>
+      <a:accent4>
+        <a:srgbClr val="dadada"/>
+      </a:accent4>
+      <a:accent5>
+        <a:srgbClr val="ced3aa"/>
+      </a:accent5>
+      <a:accent6>
+        <a:srgbClr val="ce671e"/>
+      </a:accent6>
+      <a:hlink>
+        <a:srgbClr val="dad7cb"/>
+      </a:hlink>
+      <a:folHlink>
+        <a:srgbClr val="9c9d9f"/>
+      </a:folHlink>
+    </a:clrScheme>
+    <a:fontScheme name="Office">
+      <a:majorFont>
+        <a:latin typeface="Arial"/>
+        <a:ea typeface="DejaVu Sans"/>
+        <a:cs typeface="DejaVu Sans"/>
+      </a:majorFont>
+      <a:minorFont>
+        <a:latin typeface="Arial"/>
+        <a:ea typeface="DejaVu Sans"/>
+        <a:cs typeface="DejaVu Sans"/>
+      </a:minorFont>
+    </a:fontScheme>
+    <a:fmtScheme name="Office">
+      <a:fillStyleLst>
+        <a:solidFill>
+          <a:schemeClr val="phClr"/>
+        </a:solidFill>
+        <a:gradFill rotWithShape="1">
+          <a:gsLst>
+            <a:gs pos="0">
+              <a:schemeClr val="phClr">
+                <a:tint val="50000"/>
+                <a:satMod val="300000"/>
+              </a:schemeClr>
+            </a:gs>
+            <a:gs pos="35000">
+              <a:schemeClr val="phClr">
+                <a:tint val="37000"/>
+                <a:satMod val="300000"/>
+              </a:schemeClr>
+            </a:gs>
+            <a:gs pos="100000">
+              <a:schemeClr val="phClr">
+                <a:tint val="15000"/>
+                <a:satMod val="350000"/>
+              </a:schemeClr>
+            </a:gs>
+          </a:gsLst>
+          <a:lin ang="16200000" scaled="1"/>
+        </a:gradFill>
+        <a:gradFill rotWithShape="1">
+          <a:gsLst>
+            <a:gs pos="0">
+              <a:schemeClr val="phClr">
+                <a:shade val="51000"/>
+                <a:satMod val="130000"/>
+              </a:schemeClr>
+            </a:gs>
+            <a:gs pos="80000">
+              <a:schemeClr val="phClr">
+                <a:shade val="93000"/>
+                <a:satMod val="130000"/>
+              </a:schemeClr>
+            </a:gs>
+            <a:gs pos="100000">
+              <a:schemeClr val="phClr">
+                <a:shade val="94000"/>
+                <a:satMod val="135000"/>
+              </a:schemeClr>
+            </a:gs>
+          </a:gsLst>
+          <a:lin ang="16200000" scaled="0"/>
+        </a:gradFill>
+      </a:fillStyleLst>
+      <a:lnStyleLst>
+        <a:ln w="9525" cap="flat" cmpd="sng" algn="ctr">
+          <a:solidFill>
+            <a:schemeClr val="phClr">
+              <a:shade val="95000"/>
+              <a:satMod val="105000"/>
+            </a:schemeClr>
+          </a:solidFill>
+          <a:prstDash val="solid"/>
+          <a:miter/>
+        </a:ln>
+        <a:ln w="25400" cap="flat" cmpd="sng" algn="ctr">
+          <a:solidFill>
+            <a:schemeClr val="phClr"/>
+          </a:solidFill>
+          <a:prstDash val="solid"/>
+          <a:miter/>
+        </a:ln>
+        <a:ln w="38100" cap="flat" cmpd="sng" algn="ctr">
+          <a:solidFill>
+            <a:schemeClr val="phClr"/>
+          </a:solidFill>
+          <a:prstDash val="solid"/>
+          <a:miter/>
+        </a:ln>
+      </a:lnStyleLst>
+      <a:effectStyleLst>
+        <a:effectStyle>
+          <a:effectLst>
+            <a:outerShdw blurRad="40000" dist="20000" dir="5400000" rotWithShape="0">
+              <a:srgbClr val="000000">
+                <a:alpha val="38000"/>
+              </a:srgbClr>
+            </a:outerShdw>
+          </a:effectLst>
+        </a:effectStyle>
+        <a:effectStyle>
+          <a:effectLst>
+            <a:outerShdw blurRad="40000" dist="23000" dir="5400000" rotWithShape="0">
+              <a:srgbClr val="000000">
+                <a:alpha val="35000"/>
+              </a:srgbClr>
+            </a:outerShdw>
+          </a:effectLst>
+        </a:effectStyle>
+        <a:effectStyle>
+          <a:effectLst>
+            <a:outerShdw blurRad="40000" dist="23000" dir="5400000" rotWithShape="0">
+              <a:srgbClr val="000000">
+                <a:alpha val="35000"/>
+              </a:srgbClr>
+            </a:outerShdw>
+          </a:effectLst>
+          <a:scene3d>
+            <a:camera prst="orthographicFront">
+              <a:rot lat="0" lon="0" rev="0"/>
+            </a:camera>
+            <a:lightRig rig="threePt" dir="t">
+              <a:rot lat="0" lon="0" rev="1200000"/>
+            </a:lightRig>
+          </a:scene3d>
+          <a:sp3d>
+            <a:bevelT w="63500" h="25400"/>
+          </a:sp3d>
+        </a:effectStyle>
+      </a:effectStyleLst>
+      <a:bgFillStyleLst>
+        <a:solidFill>
+          <a:schemeClr val="phClr"/>
+        </a:solidFill>
+        <a:gradFill rotWithShape="1">
+          <a:gsLst>
+            <a:gs pos="0">
+              <a:schemeClr val="phClr">
+                <a:tint val="40000"/>
+                <a:satMod val="350000"/>
+              </a:schemeClr>
+            </a:gs>
+            <a:gs pos="40000">
+              <a:schemeClr val="phClr">
+                <a:tint val="45000"/>
+                <a:shade val="99000"/>
+                <a:satMod val="350000"/>
+              </a:schemeClr>
+            </a:gs>
+            <a:gs pos="100000">
+              <a:schemeClr val="phClr">
+                <a:shade val="20000"/>
+                <a:satMod val="255000"/>
+              </a:schemeClr>
+            </a:gs>
+          </a:gsLst>
+          <a:path path="circle">
+            <a:fillToRect l="50000" t="-80000" r="50000" b="180000"/>
+          </a:path>
+        </a:gradFill>
+        <a:gradFill rotWithShape="1">
+          <a:gsLst>
+            <a:gs pos="0">
+              <a:schemeClr val="phClr">
+                <a:tint val="80000"/>
+                <a:satMod val="300000"/>
+              </a:schemeClr>
+            </a:gs>
+            <a:gs pos="100000">
+              <a:schemeClr val="phClr">
+                <a:shade val="30000"/>
+                <a:satMod val="200000"/>
+              </a:schemeClr>
+            </a:gs>
+          </a:gsLst>
+          <a:path path="circle">
+            <a:fillToRect l="50000" t="50000" r="50000" b="50000"/>
+          </a:path>
+        </a:gradFill>
+      </a:bgFillStyleLst>
+    </a:fmtScheme>
+  </a:themeElements>
+</a:theme>
 </file>